--- a/presentation/process_flow_diagram.pptx
+++ b/presentation/process_flow_diagram.pptx
@@ -13701,6 +13701,18 @@
                 </a:lnSpc>
               </a:pPr>
               <a:r>
+                <a:rPr lang="en-US" sz="1250" dirty="0">
+                  <a:solidFill>
+                    <a:srgbClr val="D15D16"/>
+                  </a:solidFill>
+                  <a:latin typeface="Calibri"/>
+                  <a:ea typeface="Calibri"/>
+                  <a:cs typeface="Calibri"/>
+                  <a:sym typeface="Calibri"/>
+                </a:rPr>
+                <a:t>Using image as input, generates </a:t>
+              </a:r>
+              <a:r>
                 <a:rPr lang="en-US" sz="1250" b="1" dirty="0">
                   <a:solidFill>
                     <a:srgbClr val="D15D16"/>
@@ -13710,7 +13722,7 @@
                   <a:cs typeface="Calibri"/>
                   <a:sym typeface="Calibri"/>
                 </a:rPr>
-                <a:t>Function </a:t>
+                <a:t>Probabilities </a:t>
               </a:r>
               <a:r>
                 <a:rPr lang="en-US" sz="1250" dirty="0">
@@ -13722,10 +13734,10 @@
                   <a:cs typeface="Calibri"/>
                   <a:sym typeface="Calibri"/>
                 </a:rPr>
-                <a:t>generates </a:t>
+                <a:t>for each </a:t>
               </a:r>
               <a:r>
-                <a:rPr lang="en-US" sz="1250" b="1" dirty="0">
+                <a:rPr lang="en-US" sz="1250" b="1">
                   <a:solidFill>
                     <a:srgbClr val="D15D16"/>
                   </a:solidFill>
@@ -13734,10 +13746,10 @@
                   <a:cs typeface="Calibri"/>
                   <a:sym typeface="Calibri"/>
                 </a:rPr>
-                <a:t>Class Prediction</a:t>
+                <a:t>Class</a:t>
               </a:r>
               <a:r>
-                <a:rPr lang="en-US" sz="1250" dirty="0">
+                <a:rPr lang="en-US" sz="1250">
                   <a:solidFill>
                     <a:srgbClr val="D15D16"/>
                   </a:solidFill>
@@ -13746,7 +13758,7 @@
                   <a:cs typeface="Calibri"/>
                   <a:sym typeface="Calibri"/>
                 </a:rPr>
-                <a:t> from image via deployed </a:t>
+                <a:t> via </a:t>
               </a:r>
               <a:r>
                 <a:rPr lang="en-US" sz="1250" b="1" dirty="0">
@@ -14057,6 +14069,18 @@
                 </a:lnSpc>
               </a:pPr>
               <a:r>
+                <a:rPr lang="en-US" sz="1250" dirty="0">
+                  <a:solidFill>
+                    <a:srgbClr val="7030A0"/>
+                  </a:solidFill>
+                  <a:latin typeface="Calibri"/>
+                  <a:ea typeface="Calibri"/>
+                  <a:cs typeface="Calibri"/>
+                  <a:sym typeface="Calibri"/>
+                </a:rPr>
+                <a:t>Connects </a:t>
+              </a:r>
+              <a:r>
                 <a:rPr lang="en-US" sz="1250" b="1" dirty="0">
                   <a:solidFill>
                     <a:srgbClr val="7030A0"/>
@@ -14066,7 +14090,7 @@
                   <a:cs typeface="Calibri"/>
                   <a:sym typeface="Calibri"/>
                 </a:rPr>
-                <a:t>Gateway </a:t>
+                <a:t>Local Client </a:t>
               </a:r>
               <a:r>
                 <a:rPr lang="en-US" sz="1250" dirty="0">
@@ -14078,7 +14102,7 @@
                   <a:cs typeface="Calibri"/>
                   <a:sym typeface="Calibri"/>
                 </a:rPr>
-                <a:t>connects public internet to </a:t>
+                <a:t>to </a:t>
               </a:r>
               <a:r>
                 <a:rPr lang="en-US" sz="1250" b="1" dirty="0">
@@ -14090,8 +14114,76 @@
                   <a:cs typeface="Calibri"/>
                   <a:sym typeface="Calibri"/>
                 </a:rPr>
-                <a:t>Lambda Function</a:t>
+                <a:t>Lambda </a:t>
               </a:r>
+              <a:br>
+                <a:rPr lang="en-US" sz="1250" b="1" dirty="0">
+                  <a:solidFill>
+                    <a:srgbClr val="7030A0"/>
+                  </a:solidFill>
+                  <a:latin typeface="Calibri"/>
+                  <a:ea typeface="Calibri"/>
+                  <a:cs typeface="Calibri"/>
+                  <a:sym typeface="Calibri"/>
+                </a:rPr>
+              </a:br>
+              <a:r>
+                <a:rPr lang="en-US" sz="1250" b="1" dirty="0">
+                  <a:solidFill>
+                    <a:srgbClr val="7030A0"/>
+                  </a:solidFill>
+                  <a:latin typeface="Calibri"/>
+                  <a:ea typeface="Calibri"/>
+                  <a:cs typeface="Calibri"/>
+                  <a:sym typeface="Calibri"/>
+                </a:rPr>
+                <a:t>Function </a:t>
+              </a:r>
+              <a:r>
+                <a:rPr lang="en-US" sz="1250" dirty="0">
+                  <a:solidFill>
+                    <a:srgbClr val="7030A0"/>
+                  </a:solidFill>
+                  <a:latin typeface="Calibri"/>
+                  <a:ea typeface="Calibri"/>
+                  <a:cs typeface="Calibri"/>
+                  <a:sym typeface="Calibri"/>
+                </a:rPr>
+                <a:t>via</a:t>
+              </a:r>
+              <a:r>
+                <a:rPr lang="en-US" sz="1250" b="1" dirty="0">
+                  <a:solidFill>
+                    <a:srgbClr val="7030A0"/>
+                  </a:solidFill>
+                  <a:latin typeface="Calibri"/>
+                  <a:ea typeface="Calibri"/>
+                  <a:cs typeface="Calibri"/>
+                  <a:sym typeface="Calibri"/>
+                </a:rPr>
+                <a:t> </a:t>
+              </a:r>
+              <a:r>
+                <a:rPr lang="en-US" sz="1250" dirty="0">
+                  <a:solidFill>
+                    <a:srgbClr val="7030A0"/>
+                  </a:solidFill>
+                  <a:latin typeface="Calibri"/>
+                  <a:ea typeface="Calibri"/>
+                  <a:cs typeface="Calibri"/>
+                  <a:sym typeface="Calibri"/>
+                </a:rPr>
+                <a:t>public internet connection</a:t>
+              </a:r>
+              <a:endParaRPr lang="en-US" sz="1250" b="1" dirty="0">
+                <a:solidFill>
+                  <a:srgbClr val="7030A0"/>
+                </a:solidFill>
+                <a:latin typeface="Calibri"/>
+                <a:ea typeface="Calibri"/>
+                <a:cs typeface="Calibri"/>
+                <a:sym typeface="Calibri"/>
+              </a:endParaRPr>
             </a:p>
           </p:txBody>
         </p:sp>
@@ -14354,7 +14446,7 @@
                   <a:cs typeface="Calibri"/>
                   <a:sym typeface="Calibri"/>
                 </a:rPr>
-                <a:t>and received back the </a:t>
+                <a:t>and receives back P</a:t>
               </a:r>
               <a:r>
                 <a:rPr lang="en-US" sz="1250" b="1" dirty="0">
@@ -14366,7 +14458,7 @@
                   <a:cs typeface="Calibri"/>
                   <a:sym typeface="Calibri"/>
                 </a:rPr>
-                <a:t>predicted probabilities </a:t>
+                <a:t>robabilities </a:t>
               </a:r>
               <a:r>
                 <a:rPr lang="en-US" sz="1250" dirty="0">
@@ -14378,8 +14470,29 @@
                   <a:cs typeface="Calibri"/>
                   <a:sym typeface="Calibri"/>
                 </a:rPr>
-                <a:t>for each class.</a:t>
+                <a:t>for each </a:t>
               </a:r>
+              <a:r>
+                <a:rPr lang="en-US" sz="1250" b="1" dirty="0">
+                  <a:solidFill>
+                    <a:srgbClr val="974867"/>
+                  </a:solidFill>
+                  <a:latin typeface="Calibri"/>
+                  <a:ea typeface="Calibri"/>
+                  <a:cs typeface="Calibri"/>
+                  <a:sym typeface="Calibri"/>
+                </a:rPr>
+                <a:t>Class</a:t>
+              </a:r>
+              <a:endParaRPr lang="en-US" sz="1250" dirty="0">
+                <a:solidFill>
+                  <a:srgbClr val="974867"/>
+                </a:solidFill>
+                <a:latin typeface="Calibri"/>
+                <a:ea typeface="Calibri"/>
+                <a:cs typeface="Calibri"/>
+                <a:sym typeface="Calibri"/>
+              </a:endParaRPr>
             </a:p>
           </p:txBody>
         </p:sp>

--- a/presentation/process_flow_diagram.pptx
+++ b/presentation/process_flow_diagram.pptx
@@ -11773,7 +11773,7 @@
         </p:nvSpPr>
         <p:spPr>
           <a:xfrm>
-            <a:off x="3112273" y="8458052"/>
+            <a:off x="3112273" y="8449056"/>
             <a:ext cx="1371373" cy="1142811"/>
           </a:xfrm>
           <a:prstGeom prst="roundRect">
@@ -12463,7 +12463,7 @@
         </p:nvSpPr>
         <p:spPr>
           <a:xfrm>
-            <a:off x="1925691" y="8663698"/>
+            <a:off x="1925691" y="8659368"/>
             <a:ext cx="804672" cy="731520"/>
           </a:xfrm>
           <a:prstGeom prst="roundRect">
@@ -12738,7 +12738,7 @@
         </p:nvGrpSpPr>
         <p:grpSpPr>
           <a:xfrm>
-            <a:off x="868506" y="2338937"/>
+            <a:off x="896112" y="2338937"/>
             <a:ext cx="685687" cy="685687"/>
             <a:chOff x="17503289" y="8364326"/>
             <a:chExt cx="1097280" cy="1097280"/>
@@ -12849,7 +12849,7 @@
         </p:nvSpPr>
         <p:spPr>
           <a:xfrm>
-            <a:off x="415021" y="1520824"/>
+            <a:off x="438912" y="1453896"/>
             <a:ext cx="854721" cy="400110"/>
           </a:xfrm>
           <a:prstGeom prst="rect">
@@ -12901,7 +12901,7 @@
         </p:blipFill>
         <p:spPr>
           <a:xfrm>
-            <a:off x="893916" y="8656503"/>
+            <a:off x="893916" y="8714232"/>
             <a:ext cx="685687" cy="685687"/>
           </a:xfrm>
           <a:prstGeom prst="rect">
@@ -12977,7 +12977,7 @@
         </p:nvSpPr>
         <p:spPr>
           <a:xfrm>
-            <a:off x="415021" y="5099534"/>
+            <a:off x="438912" y="5065776"/>
             <a:ext cx="1468672" cy="400110"/>
           </a:xfrm>
           <a:prstGeom prst="rect">
@@ -13051,8 +13051,8 @@
         </p:nvSpPr>
         <p:spPr>
           <a:xfrm>
-            <a:off x="415022" y="7835726"/>
-            <a:ext cx="1539204" cy="400110"/>
+            <a:off x="438912" y="7812866"/>
+            <a:ext cx="1539204" cy="502920"/>
           </a:xfrm>
           <a:prstGeom prst="rect">
             <a:avLst/>
@@ -13089,8 +13089,8 @@
         </p:nvSpPr>
         <p:spPr>
           <a:xfrm>
-            <a:off x="438095" y="1878245"/>
-            <a:ext cx="5994813" cy="1597907"/>
+            <a:off x="411480" y="1878245"/>
+            <a:ext cx="6016752" cy="1597907"/>
           </a:xfrm>
           <a:prstGeom prst="roundRect">
             <a:avLst/>
@@ -13142,7 +13142,7 @@
         </p:nvSpPr>
         <p:spPr>
           <a:xfrm>
-            <a:off x="415020" y="5506774"/>
+            <a:off x="415020" y="5486400"/>
             <a:ext cx="6017887" cy="1597907"/>
           </a:xfrm>
           <a:prstGeom prst="roundRect">
@@ -13337,8 +13337,8 @@
         </p:nvSpPr>
         <p:spPr>
           <a:xfrm>
-            <a:off x="2315873" y="9987370"/>
-            <a:ext cx="498855" cy="400110"/>
+            <a:off x="2315873" y="9921240"/>
+            <a:ext cx="498855" cy="457200"/>
           </a:xfrm>
           <a:prstGeom prst="rect">
             <a:avLst/>
@@ -13530,7 +13530,7 @@
         </p:nvSpPr>
         <p:spPr>
           <a:xfrm>
-            <a:off x="7891849" y="1841099"/>
+            <a:off x="7891849" y="1773936"/>
             <a:ext cx="498855" cy="400110"/>
           </a:xfrm>
           <a:prstGeom prst="rect">
@@ -13594,12 +13594,947 @@
           </a:p>
         </p:txBody>
       </p:sp>
+      <p:sp>
+        <p:nvSpPr>
+          <p:cNvPr id="13" name="Google Shape;101;p13">
+            <a:extLst>
+              <a:ext uri="{FF2B5EF4-FFF2-40B4-BE49-F238E27FC236}">
+                <a16:creationId xmlns:a16="http://schemas.microsoft.com/office/drawing/2014/main" id="{7C7E5886-2DEA-472A-A506-C685F67082AC}"/>
+              </a:ext>
+            </a:extLst>
+          </p:cNvPr>
+          <p:cNvSpPr/>
+          <p:nvPr/>
+        </p:nvSpPr>
+        <p:spPr>
+          <a:xfrm>
+            <a:off x="7132320" y="14045184"/>
+            <a:ext cx="1371373" cy="2194560"/>
+          </a:xfrm>
+          <a:prstGeom prst="roundRect">
+            <a:avLst>
+              <a:gd name="adj" fmla="val 16667"/>
+            </a:avLst>
+          </a:prstGeom>
+          <a:solidFill>
+            <a:srgbClr val="D15D16">
+              <a:alpha val="25098"/>
+            </a:srgbClr>
+          </a:solidFill>
+          <a:ln w="38100" cap="flat" cmpd="sng">
+            <a:solidFill>
+              <a:srgbClr val="D15D16"/>
+            </a:solidFill>
+            <a:prstDash val="solid"/>
+            <a:miter lim="800000"/>
+            <a:headEnd type="none" w="sm" len="sm"/>
+            <a:tailEnd type="none" w="sm" len="sm"/>
+          </a:ln>
+          <a:effectLst>
+            <a:softEdge rad="0"/>
+          </a:effectLst>
+        </p:spPr>
+        <p:txBody>
+          <a:bodyPr spcFirstLastPara="1" wrap="square" lIns="42809" tIns="21396" rIns="42809" bIns="21396" anchor="t" anchorCtr="0">
+            <a:noAutofit/>
+          </a:bodyPr>
+          <a:lstStyle/>
+          <a:p>
+            <a:pPr algn="ctr">
+              <a:lnSpc>
+                <a:spcPct val="114000"/>
+              </a:lnSpc>
+            </a:pPr>
+            <a:r>
+              <a:rPr lang="en-US" sz="1500" b="1" dirty="0">
+                <a:solidFill>
+                  <a:srgbClr val="D15D16"/>
+                </a:solidFill>
+                <a:latin typeface="Calibri"/>
+                <a:ea typeface="Calibri"/>
+                <a:cs typeface="Calibri"/>
+                <a:sym typeface="Calibri"/>
+              </a:rPr>
+              <a:t>Lambda Function</a:t>
+            </a:r>
+          </a:p>
+          <a:p>
+            <a:pPr algn="ctr">
+              <a:lnSpc>
+                <a:spcPct val="114000"/>
+              </a:lnSpc>
+            </a:pPr>
+            <a:endParaRPr lang="en-US" sz="500" b="1" dirty="0">
+              <a:solidFill>
+                <a:srgbClr val="D15D16"/>
+              </a:solidFill>
+              <a:latin typeface="Calibri"/>
+              <a:ea typeface="Calibri"/>
+              <a:cs typeface="Calibri"/>
+              <a:sym typeface="Calibri"/>
+            </a:endParaRPr>
+          </a:p>
+          <a:p>
+            <a:pPr algn="ctr">
+              <a:lnSpc>
+                <a:spcPct val="114000"/>
+              </a:lnSpc>
+            </a:pPr>
+            <a:r>
+              <a:rPr lang="en-US" sz="1250" dirty="0">
+                <a:solidFill>
+                  <a:srgbClr val="D15D16"/>
+                </a:solidFill>
+                <a:latin typeface="Calibri"/>
+                <a:ea typeface="Calibri"/>
+                <a:cs typeface="Calibri"/>
+                <a:sym typeface="Calibri"/>
+              </a:rPr>
+              <a:t>Using image as input, generates </a:t>
+            </a:r>
+            <a:r>
+              <a:rPr lang="en-US" sz="1250" b="1" dirty="0">
+                <a:solidFill>
+                  <a:srgbClr val="D15D16"/>
+                </a:solidFill>
+                <a:latin typeface="Calibri"/>
+                <a:ea typeface="Calibri"/>
+                <a:cs typeface="Calibri"/>
+                <a:sym typeface="Calibri"/>
+              </a:rPr>
+              <a:t>Probabilities </a:t>
+            </a:r>
+            <a:r>
+              <a:rPr lang="en-US" sz="1250" dirty="0">
+                <a:solidFill>
+                  <a:srgbClr val="D15D16"/>
+                </a:solidFill>
+                <a:latin typeface="Calibri"/>
+                <a:ea typeface="Calibri"/>
+                <a:cs typeface="Calibri"/>
+                <a:sym typeface="Calibri"/>
+              </a:rPr>
+              <a:t>for each </a:t>
+            </a:r>
+            <a:r>
+              <a:rPr lang="en-US" sz="1250" b="1" dirty="0">
+                <a:solidFill>
+                  <a:srgbClr val="D15D16"/>
+                </a:solidFill>
+                <a:latin typeface="Calibri"/>
+                <a:ea typeface="Calibri"/>
+                <a:cs typeface="Calibri"/>
+                <a:sym typeface="Calibri"/>
+              </a:rPr>
+              <a:t>Class</a:t>
+            </a:r>
+            <a:r>
+              <a:rPr lang="en-US" sz="1250" dirty="0">
+                <a:solidFill>
+                  <a:srgbClr val="D15D16"/>
+                </a:solidFill>
+                <a:latin typeface="Calibri"/>
+                <a:ea typeface="Calibri"/>
+                <a:cs typeface="Calibri"/>
+                <a:sym typeface="Calibri"/>
+              </a:rPr>
+              <a:t> via </a:t>
+            </a:r>
+            <a:r>
+              <a:rPr lang="en-US" sz="1250" b="1" dirty="0">
+                <a:solidFill>
+                  <a:srgbClr val="D15D16"/>
+                </a:solidFill>
+                <a:latin typeface="Calibri"/>
+                <a:ea typeface="Calibri"/>
+                <a:cs typeface="Calibri"/>
+                <a:sym typeface="Calibri"/>
+              </a:rPr>
+              <a:t>Endpoint</a:t>
+            </a:r>
+          </a:p>
+        </p:txBody>
+      </p:sp>
+      <p:pic>
+        <p:nvPicPr>
+          <p:cNvPr id="55" name="Graphic 44">
+            <a:extLst>
+              <a:ext uri="{FF2B5EF4-FFF2-40B4-BE49-F238E27FC236}">
+                <a16:creationId xmlns:a16="http://schemas.microsoft.com/office/drawing/2014/main" id="{42ACC457-CC62-45E9-87B1-B579204BBCC8}"/>
+              </a:ext>
+            </a:extLst>
+          </p:cNvPr>
+          <p:cNvPicPr>
+            <a:picLocks noChangeAspect="1"/>
+          </p:cNvPicPr>
+          <p:nvPr/>
+        </p:nvPicPr>
+        <p:blipFill>
+          <a:blip r:embed="rId10">
+            <a:extLst>
+              <a:ext uri="{96DAC541-7B7A-43D3-8B79-37D633B846F1}">
+                <asvg:svgBlip xmlns:asvg="http://schemas.microsoft.com/office/drawing/2016/SVG/main" r:embed="rId11"/>
+              </a:ext>
+            </a:extLst>
+          </a:blip>
+          <a:stretch>
+            <a:fillRect/>
+          </a:stretch>
+        </p:blipFill>
+        <p:spPr>
+          <a:xfrm>
+            <a:off x="7488936" y="13039344"/>
+            <a:ext cx="685800" cy="698992"/>
+          </a:xfrm>
+          <a:prstGeom prst="rect">
+            <a:avLst/>
+          </a:prstGeom>
+        </p:spPr>
+      </p:pic>
+      <p:sp>
+        <p:nvSpPr>
+          <p:cNvPr id="56" name="Rectangle 55">
+            <a:extLst>
+              <a:ext uri="{FF2B5EF4-FFF2-40B4-BE49-F238E27FC236}">
+                <a16:creationId xmlns:a16="http://schemas.microsoft.com/office/drawing/2014/main" id="{B7B815A5-6CC8-436E-A923-6A520F09B916}"/>
+              </a:ext>
+            </a:extLst>
+          </p:cNvPr>
+          <p:cNvSpPr/>
+          <p:nvPr/>
+        </p:nvSpPr>
+        <p:spPr>
+          <a:xfrm>
+            <a:off x="6839712" y="12271248"/>
+            <a:ext cx="1984248" cy="457200"/>
+          </a:xfrm>
+          <a:prstGeom prst="rect">
+            <a:avLst/>
+          </a:prstGeom>
+        </p:spPr>
+        <p:txBody>
+          <a:bodyPr wrap="none">
+            <a:spAutoFit/>
+          </a:bodyPr>
+          <a:lstStyle/>
+          <a:p>
+            <a:r>
+              <a:rPr lang="en-US" sz="2000" b="1" dirty="0">
+                <a:solidFill>
+                  <a:srgbClr val="D15D16"/>
+                </a:solidFill>
+              </a:rPr>
+              <a:t>Lambda</a:t>
+            </a:r>
+          </a:p>
+        </p:txBody>
+      </p:sp>
+      <p:sp>
+        <p:nvSpPr>
+          <p:cNvPr id="58" name="Rectangle: Rounded Corners 57">
+            <a:extLst>
+              <a:ext uri="{FF2B5EF4-FFF2-40B4-BE49-F238E27FC236}">
+                <a16:creationId xmlns:a16="http://schemas.microsoft.com/office/drawing/2014/main" id="{09ED3F8A-F8FA-4D8D-9FE1-AA532B202359}"/>
+              </a:ext>
+            </a:extLst>
+          </p:cNvPr>
+          <p:cNvSpPr/>
+          <p:nvPr/>
+        </p:nvSpPr>
+        <p:spPr>
+          <a:xfrm>
+            <a:off x="6839712" y="12691872"/>
+            <a:ext cx="1984248" cy="3931920"/>
+          </a:xfrm>
+          <a:prstGeom prst="roundRect">
+            <a:avLst/>
+          </a:prstGeom>
+          <a:noFill/>
+          <a:ln w="50800">
+            <a:solidFill>
+              <a:srgbClr val="D15D16"/>
+            </a:solidFill>
+            <a:prstDash val="dash"/>
+          </a:ln>
+        </p:spPr>
+        <p:style>
+          <a:lnRef idx="2">
+            <a:schemeClr val="accent1">
+              <a:shade val="50000"/>
+            </a:schemeClr>
+          </a:lnRef>
+          <a:fillRef idx="1">
+            <a:schemeClr val="accent1"/>
+          </a:fillRef>
+          <a:effectRef idx="0">
+            <a:schemeClr val="accent1"/>
+          </a:effectRef>
+          <a:fontRef idx="minor">
+            <a:schemeClr val="lt1"/>
+          </a:fontRef>
+        </p:style>
+        <p:txBody>
+          <a:bodyPr rtlCol="0" anchor="ctr"/>
+          <a:lstStyle/>
+          <a:p>
+            <a:pPr algn="ctr"/>
+            <a:endParaRPr lang="en-US" sz="1120" dirty="0"/>
+          </a:p>
+        </p:txBody>
+      </p:sp>
+      <p:pic>
+        <p:nvPicPr>
+          <p:cNvPr id="57" name="Graphic 19">
+            <a:extLst>
+              <a:ext uri="{FF2B5EF4-FFF2-40B4-BE49-F238E27FC236}">
+                <a16:creationId xmlns:a16="http://schemas.microsoft.com/office/drawing/2014/main" id="{B7E64D79-BDCA-464F-A052-33F2B0F775DB}"/>
+              </a:ext>
+            </a:extLst>
+          </p:cNvPr>
+          <p:cNvPicPr>
+            <a:picLocks noChangeAspect="1"/>
+          </p:cNvPicPr>
+          <p:nvPr/>
+        </p:nvPicPr>
+        <p:blipFill>
+          <a:blip r:embed="rId12">
+            <a:extLst>
+              <a:ext uri="{96DAC541-7B7A-43D3-8B79-37D633B846F1}">
+                <asvg:svgBlip xmlns:asvg="http://schemas.microsoft.com/office/drawing/2016/SVG/main" r:embed="rId13"/>
+              </a:ext>
+            </a:extLst>
+          </a:blip>
+          <a:stretch>
+            <a:fillRect/>
+          </a:stretch>
+        </p:blipFill>
+        <p:spPr>
+          <a:xfrm>
+            <a:off x="4288536" y="13039344"/>
+            <a:ext cx="685801" cy="685800"/>
+          </a:xfrm>
+          <a:prstGeom prst="rect">
+            <a:avLst/>
+          </a:prstGeom>
+        </p:spPr>
+      </p:pic>
+      <p:sp>
+        <p:nvSpPr>
+          <p:cNvPr id="60" name="Google Shape;101;p13">
+            <a:extLst>
+              <a:ext uri="{FF2B5EF4-FFF2-40B4-BE49-F238E27FC236}">
+                <a16:creationId xmlns:a16="http://schemas.microsoft.com/office/drawing/2014/main" id="{29A2837F-20F9-40C0-A986-2632D8B4BB75}"/>
+              </a:ext>
+            </a:extLst>
+          </p:cNvPr>
+          <p:cNvSpPr/>
+          <p:nvPr/>
+        </p:nvSpPr>
+        <p:spPr>
+          <a:xfrm>
+            <a:off x="3931920" y="14045184"/>
+            <a:ext cx="1371373" cy="2194560"/>
+          </a:xfrm>
+          <a:prstGeom prst="roundRect">
+            <a:avLst>
+              <a:gd name="adj" fmla="val 16667"/>
+            </a:avLst>
+          </a:prstGeom>
+          <a:solidFill>
+            <a:srgbClr val="7030A0">
+              <a:alpha val="25098"/>
+            </a:srgbClr>
+          </a:solidFill>
+          <a:ln w="38100" cap="flat" cmpd="sng">
+            <a:solidFill>
+              <a:srgbClr val="7030A0"/>
+            </a:solidFill>
+            <a:prstDash val="solid"/>
+            <a:miter lim="800000"/>
+            <a:headEnd type="none" w="sm" len="sm"/>
+            <a:tailEnd type="none" w="sm" len="sm"/>
+          </a:ln>
+          <a:effectLst>
+            <a:softEdge rad="0"/>
+          </a:effectLst>
+        </p:spPr>
+        <p:txBody>
+          <a:bodyPr spcFirstLastPara="1" wrap="square" lIns="42809" tIns="21396" rIns="42809" bIns="21396" anchor="t" anchorCtr="0">
+            <a:noAutofit/>
+          </a:bodyPr>
+          <a:lstStyle/>
+          <a:p>
+            <a:pPr algn="ctr">
+              <a:lnSpc>
+                <a:spcPct val="114000"/>
+              </a:lnSpc>
+            </a:pPr>
+            <a:r>
+              <a:rPr lang="en-US" sz="1500" b="1" dirty="0">
+                <a:solidFill>
+                  <a:srgbClr val="7030A0"/>
+                </a:solidFill>
+                <a:latin typeface="Calibri"/>
+                <a:ea typeface="Calibri"/>
+                <a:cs typeface="Calibri"/>
+                <a:sym typeface="Calibri"/>
+              </a:rPr>
+              <a:t>API </a:t>
+            </a:r>
+            <a:br>
+              <a:rPr lang="en-US" sz="1500" b="1" dirty="0">
+                <a:solidFill>
+                  <a:srgbClr val="7030A0"/>
+                </a:solidFill>
+                <a:latin typeface="Calibri"/>
+                <a:ea typeface="Calibri"/>
+                <a:cs typeface="Calibri"/>
+                <a:sym typeface="Calibri"/>
+              </a:rPr>
+            </a:br>
+            <a:r>
+              <a:rPr lang="en-US" sz="1500" b="1" dirty="0">
+                <a:solidFill>
+                  <a:srgbClr val="7030A0"/>
+                </a:solidFill>
+                <a:latin typeface="Calibri"/>
+                <a:ea typeface="Calibri"/>
+                <a:cs typeface="Calibri"/>
+                <a:sym typeface="Calibri"/>
+              </a:rPr>
+              <a:t>Gateway</a:t>
+            </a:r>
+          </a:p>
+          <a:p>
+            <a:pPr algn="ctr">
+              <a:lnSpc>
+                <a:spcPct val="114000"/>
+              </a:lnSpc>
+            </a:pPr>
+            <a:endParaRPr lang="en-US" sz="500" b="1" dirty="0">
+              <a:solidFill>
+                <a:srgbClr val="7030A0"/>
+              </a:solidFill>
+              <a:latin typeface="Calibri"/>
+              <a:ea typeface="Calibri"/>
+              <a:cs typeface="Calibri"/>
+              <a:sym typeface="Calibri"/>
+            </a:endParaRPr>
+          </a:p>
+          <a:p>
+            <a:pPr algn="ctr">
+              <a:lnSpc>
+                <a:spcPct val="114000"/>
+              </a:lnSpc>
+            </a:pPr>
+            <a:r>
+              <a:rPr lang="en-US" sz="1250" dirty="0">
+                <a:solidFill>
+                  <a:srgbClr val="7030A0"/>
+                </a:solidFill>
+                <a:latin typeface="Calibri"/>
+                <a:ea typeface="Calibri"/>
+                <a:cs typeface="Calibri"/>
+                <a:sym typeface="Calibri"/>
+              </a:rPr>
+              <a:t>Connects </a:t>
+            </a:r>
+            <a:r>
+              <a:rPr lang="en-US" sz="1250" b="1" dirty="0">
+                <a:solidFill>
+                  <a:srgbClr val="7030A0"/>
+                </a:solidFill>
+                <a:latin typeface="Calibri"/>
+                <a:ea typeface="Calibri"/>
+                <a:cs typeface="Calibri"/>
+                <a:sym typeface="Calibri"/>
+              </a:rPr>
+              <a:t>Local Client </a:t>
+            </a:r>
+            <a:r>
+              <a:rPr lang="en-US" sz="1250" dirty="0">
+                <a:solidFill>
+                  <a:srgbClr val="7030A0"/>
+                </a:solidFill>
+                <a:latin typeface="Calibri"/>
+                <a:ea typeface="Calibri"/>
+                <a:cs typeface="Calibri"/>
+                <a:sym typeface="Calibri"/>
+              </a:rPr>
+              <a:t>to </a:t>
+            </a:r>
+            <a:r>
+              <a:rPr lang="en-US" sz="1250" b="1" dirty="0">
+                <a:solidFill>
+                  <a:srgbClr val="7030A0"/>
+                </a:solidFill>
+                <a:latin typeface="Calibri"/>
+                <a:ea typeface="Calibri"/>
+                <a:cs typeface="Calibri"/>
+                <a:sym typeface="Calibri"/>
+              </a:rPr>
+              <a:t>Lambda </a:t>
+            </a:r>
+            <a:br>
+              <a:rPr lang="en-US" sz="1250" b="1" dirty="0">
+                <a:solidFill>
+                  <a:srgbClr val="7030A0"/>
+                </a:solidFill>
+                <a:latin typeface="Calibri"/>
+                <a:ea typeface="Calibri"/>
+                <a:cs typeface="Calibri"/>
+                <a:sym typeface="Calibri"/>
+              </a:rPr>
+            </a:br>
+            <a:r>
+              <a:rPr lang="en-US" sz="1250" b="1" dirty="0">
+                <a:solidFill>
+                  <a:srgbClr val="7030A0"/>
+                </a:solidFill>
+                <a:latin typeface="Calibri"/>
+                <a:ea typeface="Calibri"/>
+                <a:cs typeface="Calibri"/>
+                <a:sym typeface="Calibri"/>
+              </a:rPr>
+              <a:t>Function </a:t>
+            </a:r>
+            <a:r>
+              <a:rPr lang="en-US" sz="1250" dirty="0">
+                <a:solidFill>
+                  <a:srgbClr val="7030A0"/>
+                </a:solidFill>
+                <a:latin typeface="Calibri"/>
+                <a:ea typeface="Calibri"/>
+                <a:cs typeface="Calibri"/>
+                <a:sym typeface="Calibri"/>
+              </a:rPr>
+              <a:t>via</a:t>
+            </a:r>
+            <a:r>
+              <a:rPr lang="en-US" sz="1250" b="1" dirty="0">
+                <a:solidFill>
+                  <a:srgbClr val="7030A0"/>
+                </a:solidFill>
+                <a:latin typeface="Calibri"/>
+                <a:ea typeface="Calibri"/>
+                <a:cs typeface="Calibri"/>
+                <a:sym typeface="Calibri"/>
+              </a:rPr>
+              <a:t> </a:t>
+            </a:r>
+            <a:r>
+              <a:rPr lang="en-US" sz="1250" dirty="0">
+                <a:solidFill>
+                  <a:srgbClr val="7030A0"/>
+                </a:solidFill>
+                <a:latin typeface="Calibri"/>
+                <a:ea typeface="Calibri"/>
+                <a:cs typeface="Calibri"/>
+                <a:sym typeface="Calibri"/>
+              </a:rPr>
+              <a:t>public internet connection</a:t>
+            </a:r>
+            <a:endParaRPr lang="en-US" sz="1250" b="1" dirty="0">
+              <a:solidFill>
+                <a:srgbClr val="7030A0"/>
+              </a:solidFill>
+              <a:latin typeface="Calibri"/>
+              <a:ea typeface="Calibri"/>
+              <a:cs typeface="Calibri"/>
+              <a:sym typeface="Calibri"/>
+            </a:endParaRPr>
+          </a:p>
+        </p:txBody>
+      </p:sp>
+      <p:sp>
+        <p:nvSpPr>
+          <p:cNvPr id="62" name="Rectangle 61">
+            <a:extLst>
+              <a:ext uri="{FF2B5EF4-FFF2-40B4-BE49-F238E27FC236}">
+                <a16:creationId xmlns:a16="http://schemas.microsoft.com/office/drawing/2014/main" id="{1D642AA0-750B-4EA6-A6C3-35FC1C2A777F}"/>
+              </a:ext>
+            </a:extLst>
+          </p:cNvPr>
+          <p:cNvSpPr/>
+          <p:nvPr/>
+        </p:nvSpPr>
+        <p:spPr>
+          <a:xfrm>
+            <a:off x="3639312" y="12271248"/>
+            <a:ext cx="1984248" cy="457200"/>
+          </a:xfrm>
+          <a:prstGeom prst="rect">
+            <a:avLst/>
+          </a:prstGeom>
+        </p:spPr>
+        <p:txBody>
+          <a:bodyPr wrap="none">
+            <a:spAutoFit/>
+          </a:bodyPr>
+          <a:lstStyle/>
+          <a:p>
+            <a:r>
+              <a:rPr lang="en-US" sz="2000" b="1" dirty="0">
+                <a:solidFill>
+                  <a:srgbClr val="7030A0"/>
+                </a:solidFill>
+              </a:rPr>
+              <a:t>API Gateway</a:t>
+            </a:r>
+          </a:p>
+        </p:txBody>
+      </p:sp>
+      <p:sp>
+        <p:nvSpPr>
+          <p:cNvPr id="63" name="Rectangle: Rounded Corners 62">
+            <a:extLst>
+              <a:ext uri="{FF2B5EF4-FFF2-40B4-BE49-F238E27FC236}">
+                <a16:creationId xmlns:a16="http://schemas.microsoft.com/office/drawing/2014/main" id="{82EAE399-8815-40A7-884B-547986F8E934}"/>
+              </a:ext>
+            </a:extLst>
+          </p:cNvPr>
+          <p:cNvSpPr/>
+          <p:nvPr/>
+        </p:nvSpPr>
+        <p:spPr>
+          <a:xfrm>
+            <a:off x="3639312" y="12691872"/>
+            <a:ext cx="1984248" cy="3931920"/>
+          </a:xfrm>
+          <a:prstGeom prst="roundRect">
+            <a:avLst/>
+          </a:prstGeom>
+          <a:noFill/>
+          <a:ln w="50800">
+            <a:solidFill>
+              <a:srgbClr val="7030A0"/>
+            </a:solidFill>
+            <a:prstDash val="dash"/>
+          </a:ln>
+        </p:spPr>
+        <p:style>
+          <a:lnRef idx="2">
+            <a:schemeClr val="accent1">
+              <a:shade val="50000"/>
+            </a:schemeClr>
+          </a:lnRef>
+          <a:fillRef idx="1">
+            <a:schemeClr val="accent1"/>
+          </a:fillRef>
+          <a:effectRef idx="0">
+            <a:schemeClr val="accent1"/>
+          </a:effectRef>
+          <a:fontRef idx="minor">
+            <a:schemeClr val="lt1"/>
+          </a:fontRef>
+        </p:style>
+        <p:txBody>
+          <a:bodyPr rtlCol="0" anchor="ctr"/>
+          <a:lstStyle/>
+          <a:p>
+            <a:pPr algn="ctr"/>
+            <a:endParaRPr lang="en-US" sz="1120">
+              <a:solidFill>
+                <a:srgbClr val="7030A0"/>
+              </a:solidFill>
+            </a:endParaRPr>
+          </a:p>
+        </p:txBody>
+      </p:sp>
+      <p:sp>
+        <p:nvSpPr>
+          <p:cNvPr id="72" name="Google Shape;101;p13">
+            <a:extLst>
+              <a:ext uri="{FF2B5EF4-FFF2-40B4-BE49-F238E27FC236}">
+                <a16:creationId xmlns:a16="http://schemas.microsoft.com/office/drawing/2014/main" id="{7C36E83C-1061-44E3-8F81-F5A3C7D274B6}"/>
+              </a:ext>
+            </a:extLst>
+          </p:cNvPr>
+          <p:cNvSpPr/>
+          <p:nvPr/>
+        </p:nvSpPr>
+        <p:spPr>
+          <a:xfrm>
+            <a:off x="728422" y="14045184"/>
+            <a:ext cx="1371373" cy="2192514"/>
+          </a:xfrm>
+          <a:prstGeom prst="roundRect">
+            <a:avLst>
+              <a:gd name="adj" fmla="val 16667"/>
+            </a:avLst>
+          </a:prstGeom>
+          <a:solidFill>
+            <a:srgbClr val="974867">
+              <a:alpha val="25098"/>
+            </a:srgbClr>
+          </a:solidFill>
+          <a:ln w="38100" cap="flat" cmpd="sng">
+            <a:solidFill>
+              <a:srgbClr val="974867"/>
+            </a:solidFill>
+            <a:prstDash val="solid"/>
+            <a:miter lim="800000"/>
+            <a:headEnd type="none" w="sm" len="sm"/>
+            <a:tailEnd type="none" w="sm" len="sm"/>
+          </a:ln>
+          <a:effectLst>
+            <a:softEdge rad="0"/>
+          </a:effectLst>
+        </p:spPr>
+        <p:txBody>
+          <a:bodyPr spcFirstLastPara="1" wrap="square" lIns="42809" tIns="21396" rIns="42809" bIns="21396" anchor="t" anchorCtr="0">
+            <a:noAutofit/>
+          </a:bodyPr>
+          <a:lstStyle/>
+          <a:p>
+            <a:pPr algn="ctr">
+              <a:lnSpc>
+                <a:spcPct val="114000"/>
+              </a:lnSpc>
+            </a:pPr>
+            <a:r>
+              <a:rPr lang="en-US" sz="1500" b="1" dirty="0">
+                <a:solidFill>
+                  <a:srgbClr val="974867"/>
+                </a:solidFill>
+                <a:latin typeface="Calibri"/>
+                <a:ea typeface="Calibri"/>
+                <a:cs typeface="Calibri"/>
+                <a:sym typeface="Calibri"/>
+              </a:rPr>
+              <a:t>Local </a:t>
+            </a:r>
+            <a:br>
+              <a:rPr lang="en-US" sz="1500" b="1" dirty="0">
+                <a:solidFill>
+                  <a:srgbClr val="974867"/>
+                </a:solidFill>
+                <a:latin typeface="Calibri"/>
+                <a:ea typeface="Calibri"/>
+                <a:cs typeface="Calibri"/>
+                <a:sym typeface="Calibri"/>
+              </a:rPr>
+            </a:br>
+            <a:r>
+              <a:rPr lang="en-US" sz="1500" b="1" dirty="0">
+                <a:solidFill>
+                  <a:srgbClr val="974867"/>
+                </a:solidFill>
+                <a:latin typeface="Calibri"/>
+                <a:ea typeface="Calibri"/>
+                <a:cs typeface="Calibri"/>
+                <a:sym typeface="Calibri"/>
+              </a:rPr>
+              <a:t>Client</a:t>
+            </a:r>
+          </a:p>
+          <a:p>
+            <a:pPr algn="ctr">
+              <a:lnSpc>
+                <a:spcPct val="114000"/>
+              </a:lnSpc>
+            </a:pPr>
+            <a:endParaRPr lang="en-US" sz="499" b="1" dirty="0">
+              <a:solidFill>
+                <a:srgbClr val="974867"/>
+              </a:solidFill>
+              <a:latin typeface="Calibri"/>
+              <a:ea typeface="Calibri"/>
+              <a:cs typeface="Calibri"/>
+              <a:sym typeface="Calibri"/>
+            </a:endParaRPr>
+          </a:p>
+          <a:p>
+            <a:pPr algn="ctr">
+              <a:lnSpc>
+                <a:spcPct val="114000"/>
+              </a:lnSpc>
+            </a:pPr>
+            <a:r>
+              <a:rPr lang="en-US" sz="1250" dirty="0">
+                <a:solidFill>
+                  <a:srgbClr val="974867"/>
+                </a:solidFill>
+                <a:latin typeface="Calibri"/>
+                <a:ea typeface="Calibri"/>
+                <a:cs typeface="Calibri"/>
+                <a:sym typeface="Calibri"/>
+              </a:rPr>
+              <a:t>Sends image to </a:t>
+            </a:r>
+            <a:r>
+              <a:rPr lang="en-US" sz="1250" b="1" dirty="0">
+                <a:solidFill>
+                  <a:srgbClr val="974867"/>
+                </a:solidFill>
+                <a:latin typeface="Calibri"/>
+                <a:ea typeface="Calibri"/>
+                <a:cs typeface="Calibri"/>
+                <a:sym typeface="Calibri"/>
+              </a:rPr>
+              <a:t>API Gateway </a:t>
+            </a:r>
+            <a:r>
+              <a:rPr lang="en-US" sz="1250" dirty="0">
+                <a:solidFill>
+                  <a:srgbClr val="974867"/>
+                </a:solidFill>
+                <a:latin typeface="Calibri"/>
+                <a:ea typeface="Calibri"/>
+                <a:cs typeface="Calibri"/>
+                <a:sym typeface="Calibri"/>
+              </a:rPr>
+              <a:t>and receives back P</a:t>
+            </a:r>
+            <a:r>
+              <a:rPr lang="en-US" sz="1250" b="1" dirty="0">
+                <a:solidFill>
+                  <a:srgbClr val="974867"/>
+                </a:solidFill>
+                <a:latin typeface="Calibri"/>
+                <a:ea typeface="Calibri"/>
+                <a:cs typeface="Calibri"/>
+                <a:sym typeface="Calibri"/>
+              </a:rPr>
+              <a:t>robabilities </a:t>
+            </a:r>
+            <a:r>
+              <a:rPr lang="en-US" sz="1250" dirty="0">
+                <a:solidFill>
+                  <a:srgbClr val="974867"/>
+                </a:solidFill>
+                <a:latin typeface="Calibri"/>
+                <a:ea typeface="Calibri"/>
+                <a:cs typeface="Calibri"/>
+                <a:sym typeface="Calibri"/>
+              </a:rPr>
+              <a:t>for each </a:t>
+            </a:r>
+            <a:r>
+              <a:rPr lang="en-US" sz="1250" b="1" dirty="0">
+                <a:solidFill>
+                  <a:srgbClr val="974867"/>
+                </a:solidFill>
+                <a:latin typeface="Calibri"/>
+                <a:ea typeface="Calibri"/>
+                <a:cs typeface="Calibri"/>
+                <a:sym typeface="Calibri"/>
+              </a:rPr>
+              <a:t>Class</a:t>
+            </a:r>
+            <a:endParaRPr lang="en-US" sz="1250" dirty="0">
+              <a:solidFill>
+                <a:srgbClr val="974867"/>
+              </a:solidFill>
+              <a:latin typeface="Calibri"/>
+              <a:ea typeface="Calibri"/>
+              <a:cs typeface="Calibri"/>
+              <a:sym typeface="Calibri"/>
+            </a:endParaRPr>
+          </a:p>
+        </p:txBody>
+      </p:sp>
+      <p:sp>
+        <p:nvSpPr>
+          <p:cNvPr id="74" name="Rectangle 73">
+            <a:extLst>
+              <a:ext uri="{FF2B5EF4-FFF2-40B4-BE49-F238E27FC236}">
+                <a16:creationId xmlns:a16="http://schemas.microsoft.com/office/drawing/2014/main" id="{2C98CA0B-356C-4049-8EB1-BB75471FFB15}"/>
+              </a:ext>
+            </a:extLst>
+          </p:cNvPr>
+          <p:cNvSpPr/>
+          <p:nvPr/>
+        </p:nvSpPr>
+        <p:spPr>
+          <a:xfrm>
+            <a:off x="438912" y="12271248"/>
+            <a:ext cx="1984248" cy="457200"/>
+          </a:xfrm>
+          <a:prstGeom prst="rect">
+            <a:avLst/>
+          </a:prstGeom>
+        </p:spPr>
+        <p:txBody>
+          <a:bodyPr wrap="none">
+            <a:spAutoFit/>
+          </a:bodyPr>
+          <a:lstStyle/>
+          <a:p>
+            <a:r>
+              <a:rPr lang="en-US" sz="2000" b="1" dirty="0">
+                <a:solidFill>
+                  <a:srgbClr val="974867"/>
+                </a:solidFill>
+              </a:rPr>
+              <a:t>Local</a:t>
+            </a:r>
+          </a:p>
+        </p:txBody>
+      </p:sp>
+      <p:sp>
+        <p:nvSpPr>
+          <p:cNvPr id="75" name="Rectangle: Rounded Corners 74">
+            <a:extLst>
+              <a:ext uri="{FF2B5EF4-FFF2-40B4-BE49-F238E27FC236}">
+                <a16:creationId xmlns:a16="http://schemas.microsoft.com/office/drawing/2014/main" id="{A6E362AC-1FE0-48C0-A825-E9270DAEB462}"/>
+              </a:ext>
+            </a:extLst>
+          </p:cNvPr>
+          <p:cNvSpPr/>
+          <p:nvPr/>
+        </p:nvSpPr>
+        <p:spPr>
+          <a:xfrm>
+            <a:off x="438912" y="12691872"/>
+            <a:ext cx="1984248" cy="3931920"/>
+          </a:xfrm>
+          <a:prstGeom prst="roundRect">
+            <a:avLst/>
+          </a:prstGeom>
+          <a:noFill/>
+          <a:ln w="50800">
+            <a:solidFill>
+              <a:srgbClr val="974867"/>
+            </a:solidFill>
+            <a:prstDash val="dash"/>
+          </a:ln>
+        </p:spPr>
+        <p:style>
+          <a:lnRef idx="2">
+            <a:schemeClr val="accent1">
+              <a:shade val="50000"/>
+            </a:schemeClr>
+          </a:lnRef>
+          <a:fillRef idx="1">
+            <a:schemeClr val="accent1"/>
+          </a:fillRef>
+          <a:effectRef idx="0">
+            <a:schemeClr val="accent1"/>
+          </a:effectRef>
+          <a:fontRef idx="minor">
+            <a:schemeClr val="lt1"/>
+          </a:fontRef>
+        </p:style>
+        <p:txBody>
+          <a:bodyPr rtlCol="0" anchor="ctr"/>
+          <a:lstStyle/>
+          <a:p>
+            <a:pPr algn="ctr"/>
+            <a:endParaRPr lang="en-US" sz="1120" dirty="0">
+              <a:solidFill>
+                <a:srgbClr val="974867"/>
+              </a:solidFill>
+            </a:endParaRPr>
+          </a:p>
+        </p:txBody>
+      </p:sp>
       <p:grpSp>
         <p:nvGrpSpPr>
-          <p:cNvPr id="84" name="Group 83">
+          <p:cNvPr id="79" name="Group 78">
             <a:extLst>
               <a:ext uri="{FF2B5EF4-FFF2-40B4-BE49-F238E27FC236}">
-                <a16:creationId xmlns:a16="http://schemas.microsoft.com/office/drawing/2014/main" id="{0DCEDA71-FE52-4311-8F2D-88292F080553}"/>
+                <a16:creationId xmlns:a16="http://schemas.microsoft.com/office/drawing/2014/main" id="{75536206-3478-4423-8E85-59C4542794DA}"/>
               </a:ext>
             </a:extLst>
           </p:cNvPr>
@@ -13608,18 +14543,18 @@
         </p:nvGrpSpPr>
         <p:grpSpPr>
           <a:xfrm>
-            <a:off x="6556747" y="12291651"/>
-            <a:ext cx="1987309" cy="4316949"/>
-            <a:chOff x="13928562" y="32129489"/>
-            <a:chExt cx="4505312" cy="9602001"/>
+            <a:off x="1088136" y="13042110"/>
+            <a:ext cx="685686" cy="692802"/>
+            <a:chOff x="17391468" y="8504695"/>
+            <a:chExt cx="1097285" cy="1097280"/>
           </a:xfrm>
         </p:grpSpPr>
         <p:sp>
           <p:nvSpPr>
-            <p:cNvPr id="13" name="Google Shape;101;p13">
+            <p:cNvPr id="80" name="Rectangle 79">
               <a:extLst>
                 <a:ext uri="{FF2B5EF4-FFF2-40B4-BE49-F238E27FC236}">
-                  <a16:creationId xmlns:a16="http://schemas.microsoft.com/office/drawing/2014/main" id="{7C7E5886-2DEA-472A-A506-C685F67082AC}"/>
+                  <a16:creationId xmlns:a16="http://schemas.microsoft.com/office/drawing/2014/main" id="{1FDF6327-7FF2-435F-A822-E7B60BA83E0B}"/>
                 </a:ext>
               </a:extLst>
             </p:cNvPr>
@@ -13628,253 +14563,19 @@
           </p:nvSpPr>
           <p:spPr>
             <a:xfrm>
-              <a:off x="14666308" y="35981603"/>
-              <a:ext cx="3108959" cy="4919470"/>
-            </a:xfrm>
-            <a:prstGeom prst="roundRect">
-              <a:avLst>
-                <a:gd name="adj" fmla="val 16667"/>
-              </a:avLst>
-            </a:prstGeom>
-            <a:solidFill>
-              <a:srgbClr val="D15D16">
-                <a:alpha val="25098"/>
-              </a:srgbClr>
-            </a:solidFill>
-            <a:ln w="38100" cap="flat" cmpd="sng">
-              <a:solidFill>
-                <a:srgbClr val="D15D16"/>
-              </a:solidFill>
-              <a:prstDash val="solid"/>
-              <a:miter lim="800000"/>
-              <a:headEnd type="none" w="sm" len="sm"/>
-              <a:tailEnd type="none" w="sm" len="sm"/>
-            </a:ln>
-            <a:effectLst>
-              <a:softEdge rad="0"/>
-            </a:effectLst>
-          </p:spPr>
-          <p:txBody>
-            <a:bodyPr spcFirstLastPara="1" wrap="square" lIns="42809" tIns="21396" rIns="42809" bIns="21396" anchor="t" anchorCtr="0">
-              <a:noAutofit/>
-            </a:bodyPr>
-            <a:lstStyle/>
-            <a:p>
-              <a:pPr algn="ctr">
-                <a:lnSpc>
-                  <a:spcPct val="114000"/>
-                </a:lnSpc>
-              </a:pPr>
-              <a:r>
-                <a:rPr lang="en-US" sz="1500" b="1" dirty="0">
-                  <a:solidFill>
-                    <a:srgbClr val="D15D16"/>
-                  </a:solidFill>
-                  <a:latin typeface="Calibri"/>
-                  <a:ea typeface="Calibri"/>
-                  <a:cs typeface="Calibri"/>
-                  <a:sym typeface="Calibri"/>
-                </a:rPr>
-                <a:t>Lambda Function</a:t>
-              </a:r>
-            </a:p>
-            <a:p>
-              <a:pPr algn="ctr">
-                <a:lnSpc>
-                  <a:spcPct val="114000"/>
-                </a:lnSpc>
-              </a:pPr>
-              <a:endParaRPr lang="en-US" sz="500" b="1" dirty="0">
-                <a:solidFill>
-                  <a:srgbClr val="D15D16"/>
-                </a:solidFill>
-                <a:latin typeface="Calibri"/>
-                <a:ea typeface="Calibri"/>
-                <a:cs typeface="Calibri"/>
-                <a:sym typeface="Calibri"/>
-              </a:endParaRPr>
-            </a:p>
-            <a:p>
-              <a:pPr algn="ctr">
-                <a:lnSpc>
-                  <a:spcPct val="114000"/>
-                </a:lnSpc>
-              </a:pPr>
-              <a:r>
-                <a:rPr lang="en-US" sz="1250" dirty="0">
-                  <a:solidFill>
-                    <a:srgbClr val="D15D16"/>
-                  </a:solidFill>
-                  <a:latin typeface="Calibri"/>
-                  <a:ea typeface="Calibri"/>
-                  <a:cs typeface="Calibri"/>
-                  <a:sym typeface="Calibri"/>
-                </a:rPr>
-                <a:t>Using image as input, generates </a:t>
-              </a:r>
-              <a:r>
-                <a:rPr lang="en-US" sz="1250" b="1" dirty="0">
-                  <a:solidFill>
-                    <a:srgbClr val="D15D16"/>
-                  </a:solidFill>
-                  <a:latin typeface="Calibri"/>
-                  <a:ea typeface="Calibri"/>
-                  <a:cs typeface="Calibri"/>
-                  <a:sym typeface="Calibri"/>
-                </a:rPr>
-                <a:t>Probabilities </a:t>
-              </a:r>
-              <a:r>
-                <a:rPr lang="en-US" sz="1250" dirty="0">
-                  <a:solidFill>
-                    <a:srgbClr val="D15D16"/>
-                  </a:solidFill>
-                  <a:latin typeface="Calibri"/>
-                  <a:ea typeface="Calibri"/>
-                  <a:cs typeface="Calibri"/>
-                  <a:sym typeface="Calibri"/>
-                </a:rPr>
-                <a:t>for each </a:t>
-              </a:r>
-              <a:r>
-                <a:rPr lang="en-US" sz="1250" b="1">
-                  <a:solidFill>
-                    <a:srgbClr val="D15D16"/>
-                  </a:solidFill>
-                  <a:latin typeface="Calibri"/>
-                  <a:ea typeface="Calibri"/>
-                  <a:cs typeface="Calibri"/>
-                  <a:sym typeface="Calibri"/>
-                </a:rPr>
-                <a:t>Class</a:t>
-              </a:r>
-              <a:r>
-                <a:rPr lang="en-US" sz="1250">
-                  <a:solidFill>
-                    <a:srgbClr val="D15D16"/>
-                  </a:solidFill>
-                  <a:latin typeface="Calibri"/>
-                  <a:ea typeface="Calibri"/>
-                  <a:cs typeface="Calibri"/>
-                  <a:sym typeface="Calibri"/>
-                </a:rPr>
-                <a:t> via </a:t>
-              </a:r>
-              <a:r>
-                <a:rPr lang="en-US" sz="1250" b="1" dirty="0">
-                  <a:solidFill>
-                    <a:srgbClr val="D15D16"/>
-                  </a:solidFill>
-                  <a:latin typeface="Calibri"/>
-                  <a:ea typeface="Calibri"/>
-                  <a:cs typeface="Calibri"/>
-                  <a:sym typeface="Calibri"/>
-                </a:rPr>
-                <a:t>Endpoint</a:t>
-              </a:r>
-            </a:p>
-          </p:txBody>
-        </p:sp>
-        <p:pic>
-          <p:nvPicPr>
-            <p:cNvPr id="55" name="Graphic 44">
-              <a:extLst>
-                <a:ext uri="{FF2B5EF4-FFF2-40B4-BE49-F238E27FC236}">
-                  <a16:creationId xmlns:a16="http://schemas.microsoft.com/office/drawing/2014/main" id="{42ACC457-CC62-45E9-87B1-B579204BBCC8}"/>
-                </a:ext>
-              </a:extLst>
-            </p:cNvPr>
-            <p:cNvPicPr>
-              <a:picLocks noChangeAspect="1"/>
-            </p:cNvPicPr>
-            <p:nvPr/>
-          </p:nvPicPr>
-          <p:blipFill>
-            <a:blip r:embed="rId10">
-              <a:extLst>
-                <a:ext uri="{96DAC541-7B7A-43D3-8B79-37D633B846F1}">
-                  <asvg:svgBlip xmlns:asvg="http://schemas.microsoft.com/office/drawing/2016/SVG/main" r:embed="rId11"/>
-                </a:ext>
-              </a:extLst>
-            </a:blip>
-            <a:stretch>
-              <a:fillRect/>
-            </a:stretch>
-          </p:blipFill>
-          <p:spPr>
-            <a:xfrm>
-              <a:off x="15546337" y="33834610"/>
-              <a:ext cx="1371601" cy="1371601"/>
+              <a:off x="17391468" y="8504695"/>
+              <a:ext cx="1097285" cy="1097280"/>
             </a:xfrm>
             <a:prstGeom prst="rect">
               <a:avLst/>
             </a:prstGeom>
-          </p:spPr>
-        </p:pic>
-        <p:sp>
-          <p:nvSpPr>
-            <p:cNvPr id="56" name="Rectangle 55">
-              <a:extLst>
-                <a:ext uri="{FF2B5EF4-FFF2-40B4-BE49-F238E27FC236}">
-                  <a16:creationId xmlns:a16="http://schemas.microsoft.com/office/drawing/2014/main" id="{B7B815A5-6CC8-436E-A923-6A520F09B916}"/>
-                </a:ext>
-              </a:extLst>
-            </p:cNvPr>
-            <p:cNvSpPr/>
-            <p:nvPr/>
-          </p:nvSpPr>
-          <p:spPr>
-            <a:xfrm>
-              <a:off x="13928562" y="32129489"/>
-              <a:ext cx="2649967" cy="889947"/>
-            </a:xfrm>
-            <a:prstGeom prst="rect">
-              <a:avLst/>
-            </a:prstGeom>
-          </p:spPr>
-          <p:txBody>
-            <a:bodyPr wrap="none">
-              <a:spAutoFit/>
-            </a:bodyPr>
-            <a:lstStyle/>
-            <a:p>
-              <a:r>
-                <a:rPr lang="en-US" sz="2000" b="1" dirty="0">
-                  <a:solidFill>
-                    <a:srgbClr val="D15D16"/>
-                  </a:solidFill>
-                </a:rPr>
-                <a:t>Lambda</a:t>
-              </a:r>
-            </a:p>
-          </p:txBody>
-        </p:sp>
-        <p:sp>
-          <p:nvSpPr>
-            <p:cNvPr id="58" name="Rectangle: Rounded Corners 57">
-              <a:extLst>
-                <a:ext uri="{FF2B5EF4-FFF2-40B4-BE49-F238E27FC236}">
-                  <a16:creationId xmlns:a16="http://schemas.microsoft.com/office/drawing/2014/main" id="{09ED3F8A-F8FA-4D8D-9FE1-AA532B202359}"/>
-                </a:ext>
-              </a:extLst>
-            </p:cNvPr>
-            <p:cNvSpPr/>
-            <p:nvPr/>
-          </p:nvSpPr>
-          <p:spPr>
-            <a:xfrm rot="5400000">
-              <a:off x="11799716" y="35097332"/>
-              <a:ext cx="8763004" cy="4505312"/>
-            </a:xfrm>
-            <a:prstGeom prst="roundRect">
-              <a:avLst/>
-            </a:prstGeom>
-            <a:noFill/>
-            <a:ln w="50800">
+            <a:solidFill>
+              <a:srgbClr val="974867"/>
+            </a:solidFill>
+            <a:ln>
               <a:solidFill>
-                <a:srgbClr val="D15D16"/>
+                <a:srgbClr val="974867"/>
               </a:solidFill>
-              <a:prstDash val="dash"/>
             </a:ln>
           </p:spPr>
           <p:style>
@@ -13902,33 +14603,12 @@
             </a:p>
           </p:txBody>
         </p:sp>
-      </p:grpSp>
-      <p:grpSp>
-        <p:nvGrpSpPr>
-          <p:cNvPr id="83" name="Group 82">
-            <a:extLst>
-              <a:ext uri="{FF2B5EF4-FFF2-40B4-BE49-F238E27FC236}">
-                <a16:creationId xmlns:a16="http://schemas.microsoft.com/office/drawing/2014/main" id="{4031EC5A-F868-4AA5-B2DB-36F4DA3ADD0D}"/>
-              </a:ext>
-            </a:extLst>
-          </p:cNvPr>
-          <p:cNvGrpSpPr/>
-          <p:nvPr/>
-        </p:nvGrpSpPr>
-        <p:grpSpPr>
-          <a:xfrm>
-            <a:off x="3538544" y="12309537"/>
-            <a:ext cx="1987311" cy="4265502"/>
-            <a:chOff x="7069095" y="32163498"/>
-            <a:chExt cx="4505317" cy="9670073"/>
-          </a:xfrm>
-        </p:grpSpPr>
         <p:pic>
           <p:nvPicPr>
-            <p:cNvPr id="57" name="Graphic 19">
+            <p:cNvPr id="81" name="Graphic 49">
               <a:extLst>
                 <a:ext uri="{FF2B5EF4-FFF2-40B4-BE49-F238E27FC236}">
-                  <a16:creationId xmlns:a16="http://schemas.microsoft.com/office/drawing/2014/main" id="{B7E64D79-BDCA-464F-A052-33F2B0F775DB}"/>
+                  <a16:creationId xmlns:a16="http://schemas.microsoft.com/office/drawing/2014/main" id="{F7B652AD-D6C6-44E2-B663-EDB5A5CD837F}"/>
                 </a:ext>
               </a:extLst>
             </p:cNvPr>
@@ -13938,10 +14618,10 @@
             <p:nvPr/>
           </p:nvPicPr>
           <p:blipFill>
-            <a:blip r:embed="rId12">
+            <a:blip r:embed="rId2">
               <a:extLst>
                 <a:ext uri="{96DAC541-7B7A-43D3-8B79-37D633B846F1}">
-                  <asvg:svgBlip xmlns:asvg="http://schemas.microsoft.com/office/drawing/2016/SVG/main" r:embed="rId13"/>
+                  <asvg:svgBlip xmlns:asvg="http://schemas.microsoft.com/office/drawing/2016/SVG/main" r:embed="rId3"/>
                 </a:ext>
               </a:extLst>
             </a:blip>
@@ -13951,757 +14631,14 @@
           </p:blipFill>
           <p:spPr>
             <a:xfrm>
-              <a:off x="8673832" y="33860186"/>
-              <a:ext cx="1371601" cy="1371599"/>
+              <a:off x="17482981" y="8596128"/>
+              <a:ext cx="914404" cy="914400"/>
             </a:xfrm>
             <a:prstGeom prst="rect">
               <a:avLst/>
             </a:prstGeom>
           </p:spPr>
         </p:pic>
-        <p:sp>
-          <p:nvSpPr>
-            <p:cNvPr id="60" name="Google Shape;101;p13">
-              <a:extLst>
-                <a:ext uri="{FF2B5EF4-FFF2-40B4-BE49-F238E27FC236}">
-                  <a16:creationId xmlns:a16="http://schemas.microsoft.com/office/drawing/2014/main" id="{29A2837F-20F9-40C0-A986-2632D8B4BB75}"/>
-                </a:ext>
-              </a:extLst>
-            </p:cNvPr>
-            <p:cNvSpPr/>
-            <p:nvPr/>
-          </p:nvSpPr>
-          <p:spPr>
-            <a:xfrm>
-              <a:off x="7805153" y="36105981"/>
-              <a:ext cx="3108960" cy="4919472"/>
-            </a:xfrm>
-            <a:prstGeom prst="roundRect">
-              <a:avLst>
-                <a:gd name="adj" fmla="val 16667"/>
-              </a:avLst>
-            </a:prstGeom>
-            <a:solidFill>
-              <a:srgbClr val="7030A0">
-                <a:alpha val="25098"/>
-              </a:srgbClr>
-            </a:solidFill>
-            <a:ln w="38100" cap="flat" cmpd="sng">
-              <a:solidFill>
-                <a:srgbClr val="7030A0"/>
-              </a:solidFill>
-              <a:prstDash val="solid"/>
-              <a:miter lim="800000"/>
-              <a:headEnd type="none" w="sm" len="sm"/>
-              <a:tailEnd type="none" w="sm" len="sm"/>
-            </a:ln>
-            <a:effectLst>
-              <a:softEdge rad="0"/>
-            </a:effectLst>
-          </p:spPr>
-          <p:txBody>
-            <a:bodyPr spcFirstLastPara="1" wrap="square" lIns="42809" tIns="21396" rIns="42809" bIns="21396" anchor="t" anchorCtr="0">
-              <a:noAutofit/>
-            </a:bodyPr>
-            <a:lstStyle/>
-            <a:p>
-              <a:pPr algn="ctr">
-                <a:lnSpc>
-                  <a:spcPct val="114000"/>
-                </a:lnSpc>
-              </a:pPr>
-              <a:r>
-                <a:rPr lang="en-US" sz="1500" b="1" dirty="0">
-                  <a:solidFill>
-                    <a:srgbClr val="7030A0"/>
-                  </a:solidFill>
-                  <a:latin typeface="Calibri"/>
-                  <a:ea typeface="Calibri"/>
-                  <a:cs typeface="Calibri"/>
-                  <a:sym typeface="Calibri"/>
-                </a:rPr>
-                <a:t>API </a:t>
-              </a:r>
-              <a:br>
-                <a:rPr lang="en-US" sz="1500" b="1" dirty="0">
-                  <a:solidFill>
-                    <a:srgbClr val="7030A0"/>
-                  </a:solidFill>
-                  <a:latin typeface="Calibri"/>
-                  <a:ea typeface="Calibri"/>
-                  <a:cs typeface="Calibri"/>
-                  <a:sym typeface="Calibri"/>
-                </a:rPr>
-              </a:br>
-              <a:r>
-                <a:rPr lang="en-US" sz="1500" b="1" dirty="0">
-                  <a:solidFill>
-                    <a:srgbClr val="7030A0"/>
-                  </a:solidFill>
-                  <a:latin typeface="Calibri"/>
-                  <a:ea typeface="Calibri"/>
-                  <a:cs typeface="Calibri"/>
-                  <a:sym typeface="Calibri"/>
-                </a:rPr>
-                <a:t>Gateway</a:t>
-              </a:r>
-            </a:p>
-            <a:p>
-              <a:pPr algn="ctr">
-                <a:lnSpc>
-                  <a:spcPct val="114000"/>
-                </a:lnSpc>
-              </a:pPr>
-              <a:endParaRPr lang="en-US" sz="500" b="1" dirty="0">
-                <a:solidFill>
-                  <a:srgbClr val="7030A0"/>
-                </a:solidFill>
-                <a:latin typeface="Calibri"/>
-                <a:ea typeface="Calibri"/>
-                <a:cs typeface="Calibri"/>
-                <a:sym typeface="Calibri"/>
-              </a:endParaRPr>
-            </a:p>
-            <a:p>
-              <a:pPr algn="ctr">
-                <a:lnSpc>
-                  <a:spcPct val="114000"/>
-                </a:lnSpc>
-              </a:pPr>
-              <a:r>
-                <a:rPr lang="en-US" sz="1250" dirty="0">
-                  <a:solidFill>
-                    <a:srgbClr val="7030A0"/>
-                  </a:solidFill>
-                  <a:latin typeface="Calibri"/>
-                  <a:ea typeface="Calibri"/>
-                  <a:cs typeface="Calibri"/>
-                  <a:sym typeface="Calibri"/>
-                </a:rPr>
-                <a:t>Connects </a:t>
-              </a:r>
-              <a:r>
-                <a:rPr lang="en-US" sz="1250" b="1" dirty="0">
-                  <a:solidFill>
-                    <a:srgbClr val="7030A0"/>
-                  </a:solidFill>
-                  <a:latin typeface="Calibri"/>
-                  <a:ea typeface="Calibri"/>
-                  <a:cs typeface="Calibri"/>
-                  <a:sym typeface="Calibri"/>
-                </a:rPr>
-                <a:t>Local Client </a:t>
-              </a:r>
-              <a:r>
-                <a:rPr lang="en-US" sz="1250" dirty="0">
-                  <a:solidFill>
-                    <a:srgbClr val="7030A0"/>
-                  </a:solidFill>
-                  <a:latin typeface="Calibri"/>
-                  <a:ea typeface="Calibri"/>
-                  <a:cs typeface="Calibri"/>
-                  <a:sym typeface="Calibri"/>
-                </a:rPr>
-                <a:t>to </a:t>
-              </a:r>
-              <a:r>
-                <a:rPr lang="en-US" sz="1250" b="1" dirty="0">
-                  <a:solidFill>
-                    <a:srgbClr val="7030A0"/>
-                  </a:solidFill>
-                  <a:latin typeface="Calibri"/>
-                  <a:ea typeface="Calibri"/>
-                  <a:cs typeface="Calibri"/>
-                  <a:sym typeface="Calibri"/>
-                </a:rPr>
-                <a:t>Lambda </a:t>
-              </a:r>
-              <a:br>
-                <a:rPr lang="en-US" sz="1250" b="1" dirty="0">
-                  <a:solidFill>
-                    <a:srgbClr val="7030A0"/>
-                  </a:solidFill>
-                  <a:latin typeface="Calibri"/>
-                  <a:ea typeface="Calibri"/>
-                  <a:cs typeface="Calibri"/>
-                  <a:sym typeface="Calibri"/>
-                </a:rPr>
-              </a:br>
-              <a:r>
-                <a:rPr lang="en-US" sz="1250" b="1" dirty="0">
-                  <a:solidFill>
-                    <a:srgbClr val="7030A0"/>
-                  </a:solidFill>
-                  <a:latin typeface="Calibri"/>
-                  <a:ea typeface="Calibri"/>
-                  <a:cs typeface="Calibri"/>
-                  <a:sym typeface="Calibri"/>
-                </a:rPr>
-                <a:t>Function </a:t>
-              </a:r>
-              <a:r>
-                <a:rPr lang="en-US" sz="1250" dirty="0">
-                  <a:solidFill>
-                    <a:srgbClr val="7030A0"/>
-                  </a:solidFill>
-                  <a:latin typeface="Calibri"/>
-                  <a:ea typeface="Calibri"/>
-                  <a:cs typeface="Calibri"/>
-                  <a:sym typeface="Calibri"/>
-                </a:rPr>
-                <a:t>via</a:t>
-              </a:r>
-              <a:r>
-                <a:rPr lang="en-US" sz="1250" b="1" dirty="0">
-                  <a:solidFill>
-                    <a:srgbClr val="7030A0"/>
-                  </a:solidFill>
-                  <a:latin typeface="Calibri"/>
-                  <a:ea typeface="Calibri"/>
-                  <a:cs typeface="Calibri"/>
-                  <a:sym typeface="Calibri"/>
-                </a:rPr>
-                <a:t> </a:t>
-              </a:r>
-              <a:r>
-                <a:rPr lang="en-US" sz="1250" dirty="0">
-                  <a:solidFill>
-                    <a:srgbClr val="7030A0"/>
-                  </a:solidFill>
-                  <a:latin typeface="Calibri"/>
-                  <a:ea typeface="Calibri"/>
-                  <a:cs typeface="Calibri"/>
-                  <a:sym typeface="Calibri"/>
-                </a:rPr>
-                <a:t>public internet connection</a:t>
-              </a:r>
-              <a:endParaRPr lang="en-US" sz="1250" b="1" dirty="0">
-                <a:solidFill>
-                  <a:srgbClr val="7030A0"/>
-                </a:solidFill>
-                <a:latin typeface="Calibri"/>
-                <a:ea typeface="Calibri"/>
-                <a:cs typeface="Calibri"/>
-                <a:sym typeface="Calibri"/>
-              </a:endParaRPr>
-            </a:p>
-          </p:txBody>
-        </p:sp>
-        <p:sp>
-          <p:nvSpPr>
-            <p:cNvPr id="62" name="Rectangle 61">
-              <a:extLst>
-                <a:ext uri="{FF2B5EF4-FFF2-40B4-BE49-F238E27FC236}">
-                  <a16:creationId xmlns:a16="http://schemas.microsoft.com/office/drawing/2014/main" id="{1D642AA0-750B-4EA6-A6C3-35FC1C2A777F}"/>
-                </a:ext>
-              </a:extLst>
-            </p:cNvPr>
-            <p:cNvSpPr/>
-            <p:nvPr/>
-          </p:nvSpPr>
-          <p:spPr>
-            <a:xfrm>
-              <a:off x="7069095" y="32163498"/>
-              <a:ext cx="3936430" cy="907066"/>
-            </a:xfrm>
-            <a:prstGeom prst="rect">
-              <a:avLst/>
-            </a:prstGeom>
-          </p:spPr>
-          <p:txBody>
-            <a:bodyPr wrap="none">
-              <a:spAutoFit/>
-            </a:bodyPr>
-            <a:lstStyle/>
-            <a:p>
-              <a:r>
-                <a:rPr lang="en-US" sz="2000" b="1" dirty="0">
-                  <a:solidFill>
-                    <a:srgbClr val="7030A0"/>
-                  </a:solidFill>
-                </a:rPr>
-                <a:t>API Gateway</a:t>
-              </a:r>
-            </a:p>
-          </p:txBody>
-        </p:sp>
-        <p:sp>
-          <p:nvSpPr>
-            <p:cNvPr id="63" name="Rectangle: Rounded Corners 62">
-              <a:extLst>
-                <a:ext uri="{FF2B5EF4-FFF2-40B4-BE49-F238E27FC236}">
-                  <a16:creationId xmlns:a16="http://schemas.microsoft.com/office/drawing/2014/main" id="{82EAE399-8815-40A7-884B-547986F8E934}"/>
-                </a:ext>
-              </a:extLst>
-            </p:cNvPr>
-            <p:cNvSpPr/>
-            <p:nvPr/>
-          </p:nvSpPr>
-          <p:spPr>
-            <a:xfrm rot="5400000">
-              <a:off x="4940252" y="35199410"/>
-              <a:ext cx="8763006" cy="4505315"/>
-            </a:xfrm>
-            <a:prstGeom prst="roundRect">
-              <a:avLst/>
-            </a:prstGeom>
-            <a:noFill/>
-            <a:ln w="50800">
-              <a:solidFill>
-                <a:srgbClr val="7030A0"/>
-              </a:solidFill>
-              <a:prstDash val="dash"/>
-            </a:ln>
-          </p:spPr>
-          <p:style>
-            <a:lnRef idx="2">
-              <a:schemeClr val="accent1">
-                <a:shade val="50000"/>
-              </a:schemeClr>
-            </a:lnRef>
-            <a:fillRef idx="1">
-              <a:schemeClr val="accent1"/>
-            </a:fillRef>
-            <a:effectRef idx="0">
-              <a:schemeClr val="accent1"/>
-            </a:effectRef>
-            <a:fontRef idx="minor">
-              <a:schemeClr val="lt1"/>
-            </a:fontRef>
-          </p:style>
-          <p:txBody>
-            <a:bodyPr rtlCol="0" anchor="ctr"/>
-            <a:lstStyle/>
-            <a:p>
-              <a:pPr algn="ctr"/>
-              <a:endParaRPr lang="en-US" sz="1120">
-                <a:solidFill>
-                  <a:srgbClr val="7030A0"/>
-                </a:solidFill>
-              </a:endParaRPr>
-            </a:p>
-          </p:txBody>
-        </p:sp>
-      </p:grpSp>
-      <p:grpSp>
-        <p:nvGrpSpPr>
-          <p:cNvPr id="82" name="Group 81">
-            <a:extLst>
-              <a:ext uri="{FF2B5EF4-FFF2-40B4-BE49-F238E27FC236}">
-                <a16:creationId xmlns:a16="http://schemas.microsoft.com/office/drawing/2014/main" id="{B9462FD0-16CE-42BC-B641-82D5C6178E22}"/>
-              </a:ext>
-            </a:extLst>
-          </p:cNvPr>
-          <p:cNvGrpSpPr/>
-          <p:nvPr/>
-        </p:nvGrpSpPr>
-        <p:grpSpPr>
-          <a:xfrm>
-            <a:off x="420454" y="12309536"/>
-            <a:ext cx="1987310" cy="4264818"/>
-            <a:chOff x="659683" y="32165064"/>
-            <a:chExt cx="4505315" cy="9569223"/>
-          </a:xfrm>
-        </p:grpSpPr>
-        <p:sp>
-          <p:nvSpPr>
-            <p:cNvPr id="72" name="Google Shape;101;p13">
-              <a:extLst>
-                <a:ext uri="{FF2B5EF4-FFF2-40B4-BE49-F238E27FC236}">
-                  <a16:creationId xmlns:a16="http://schemas.microsoft.com/office/drawing/2014/main" id="{7C36E83C-1061-44E3-8F81-F5A3C7D274B6}"/>
-                </a:ext>
-              </a:extLst>
-            </p:cNvPr>
-            <p:cNvSpPr/>
-            <p:nvPr/>
-          </p:nvSpPr>
-          <p:spPr>
-            <a:xfrm>
-              <a:off x="1261884" y="36040177"/>
-              <a:ext cx="3108960" cy="4919473"/>
-            </a:xfrm>
-            <a:prstGeom prst="roundRect">
-              <a:avLst>
-                <a:gd name="adj" fmla="val 16667"/>
-              </a:avLst>
-            </a:prstGeom>
-            <a:solidFill>
-              <a:srgbClr val="974867">
-                <a:alpha val="25098"/>
-              </a:srgbClr>
-            </a:solidFill>
-            <a:ln w="38100" cap="flat" cmpd="sng">
-              <a:solidFill>
-                <a:srgbClr val="974867"/>
-              </a:solidFill>
-              <a:prstDash val="solid"/>
-              <a:miter lim="800000"/>
-              <a:headEnd type="none" w="sm" len="sm"/>
-              <a:tailEnd type="none" w="sm" len="sm"/>
-            </a:ln>
-            <a:effectLst>
-              <a:softEdge rad="0"/>
-            </a:effectLst>
-          </p:spPr>
-          <p:txBody>
-            <a:bodyPr spcFirstLastPara="1" wrap="square" lIns="42809" tIns="21396" rIns="42809" bIns="21396" anchor="t" anchorCtr="0">
-              <a:noAutofit/>
-            </a:bodyPr>
-            <a:lstStyle/>
-            <a:p>
-              <a:pPr algn="ctr">
-                <a:lnSpc>
-                  <a:spcPct val="114000"/>
-                </a:lnSpc>
-              </a:pPr>
-              <a:r>
-                <a:rPr lang="en-US" sz="1500" b="1" dirty="0">
-                  <a:solidFill>
-                    <a:srgbClr val="974867"/>
-                  </a:solidFill>
-                  <a:latin typeface="Calibri"/>
-                  <a:ea typeface="Calibri"/>
-                  <a:cs typeface="Calibri"/>
-                  <a:sym typeface="Calibri"/>
-                </a:rPr>
-                <a:t>Local </a:t>
-              </a:r>
-              <a:br>
-                <a:rPr lang="en-US" sz="1500" b="1" dirty="0">
-                  <a:solidFill>
-                    <a:srgbClr val="974867"/>
-                  </a:solidFill>
-                  <a:latin typeface="Calibri"/>
-                  <a:ea typeface="Calibri"/>
-                  <a:cs typeface="Calibri"/>
-                  <a:sym typeface="Calibri"/>
-                </a:rPr>
-              </a:br>
-              <a:r>
-                <a:rPr lang="en-US" sz="1500" b="1" dirty="0">
-                  <a:solidFill>
-                    <a:srgbClr val="974867"/>
-                  </a:solidFill>
-                  <a:latin typeface="Calibri"/>
-                  <a:ea typeface="Calibri"/>
-                  <a:cs typeface="Calibri"/>
-                  <a:sym typeface="Calibri"/>
-                </a:rPr>
-                <a:t>Client</a:t>
-              </a:r>
-            </a:p>
-            <a:p>
-              <a:pPr algn="ctr">
-                <a:lnSpc>
-                  <a:spcPct val="114000"/>
-                </a:lnSpc>
-              </a:pPr>
-              <a:endParaRPr lang="en-US" sz="499" b="1" dirty="0">
-                <a:solidFill>
-                  <a:srgbClr val="974867"/>
-                </a:solidFill>
-                <a:latin typeface="Calibri"/>
-                <a:ea typeface="Calibri"/>
-                <a:cs typeface="Calibri"/>
-                <a:sym typeface="Calibri"/>
-              </a:endParaRPr>
-            </a:p>
-            <a:p>
-              <a:pPr algn="ctr">
-                <a:lnSpc>
-                  <a:spcPct val="114000"/>
-                </a:lnSpc>
-              </a:pPr>
-              <a:r>
-                <a:rPr lang="en-US" sz="1250" dirty="0">
-                  <a:solidFill>
-                    <a:srgbClr val="974867"/>
-                  </a:solidFill>
-                  <a:latin typeface="Calibri"/>
-                  <a:ea typeface="Calibri"/>
-                  <a:cs typeface="Calibri"/>
-                  <a:sym typeface="Calibri"/>
-                </a:rPr>
-                <a:t>Sends image to </a:t>
-              </a:r>
-              <a:r>
-                <a:rPr lang="en-US" sz="1250" b="1" dirty="0">
-                  <a:solidFill>
-                    <a:srgbClr val="974867"/>
-                  </a:solidFill>
-                  <a:latin typeface="Calibri"/>
-                  <a:ea typeface="Calibri"/>
-                  <a:cs typeface="Calibri"/>
-                  <a:sym typeface="Calibri"/>
-                </a:rPr>
-                <a:t>API Gateway </a:t>
-              </a:r>
-              <a:r>
-                <a:rPr lang="en-US" sz="1250" dirty="0">
-                  <a:solidFill>
-                    <a:srgbClr val="974867"/>
-                  </a:solidFill>
-                  <a:latin typeface="Calibri"/>
-                  <a:ea typeface="Calibri"/>
-                  <a:cs typeface="Calibri"/>
-                  <a:sym typeface="Calibri"/>
-                </a:rPr>
-                <a:t>and receives back P</a:t>
-              </a:r>
-              <a:r>
-                <a:rPr lang="en-US" sz="1250" b="1" dirty="0">
-                  <a:solidFill>
-                    <a:srgbClr val="974867"/>
-                  </a:solidFill>
-                  <a:latin typeface="Calibri"/>
-                  <a:ea typeface="Calibri"/>
-                  <a:cs typeface="Calibri"/>
-                  <a:sym typeface="Calibri"/>
-                </a:rPr>
-                <a:t>robabilities </a:t>
-              </a:r>
-              <a:r>
-                <a:rPr lang="en-US" sz="1250" dirty="0">
-                  <a:solidFill>
-                    <a:srgbClr val="974867"/>
-                  </a:solidFill>
-                  <a:latin typeface="Calibri"/>
-                  <a:ea typeface="Calibri"/>
-                  <a:cs typeface="Calibri"/>
-                  <a:sym typeface="Calibri"/>
-                </a:rPr>
-                <a:t>for each </a:t>
-              </a:r>
-              <a:r>
-                <a:rPr lang="en-US" sz="1250" b="1" dirty="0">
-                  <a:solidFill>
-                    <a:srgbClr val="974867"/>
-                  </a:solidFill>
-                  <a:latin typeface="Calibri"/>
-                  <a:ea typeface="Calibri"/>
-                  <a:cs typeface="Calibri"/>
-                  <a:sym typeface="Calibri"/>
-                </a:rPr>
-                <a:t>Class</a:t>
-              </a:r>
-              <a:endParaRPr lang="en-US" sz="1250" dirty="0">
-                <a:solidFill>
-                  <a:srgbClr val="974867"/>
-                </a:solidFill>
-                <a:latin typeface="Calibri"/>
-                <a:ea typeface="Calibri"/>
-                <a:cs typeface="Calibri"/>
-                <a:sym typeface="Calibri"/>
-              </a:endParaRPr>
-            </a:p>
-          </p:txBody>
-        </p:sp>
-        <p:sp>
-          <p:nvSpPr>
-            <p:cNvPr id="74" name="Rectangle 73">
-              <a:extLst>
-                <a:ext uri="{FF2B5EF4-FFF2-40B4-BE49-F238E27FC236}">
-                  <a16:creationId xmlns:a16="http://schemas.microsoft.com/office/drawing/2014/main" id="{2C98CA0B-356C-4049-8EB1-BB75471FFB15}"/>
-                </a:ext>
-              </a:extLst>
-            </p:cNvPr>
-            <p:cNvSpPr/>
-            <p:nvPr/>
-          </p:nvSpPr>
-          <p:spPr>
-            <a:xfrm>
-              <a:off x="675502" y="32165064"/>
-              <a:ext cx="1937688" cy="897750"/>
-            </a:xfrm>
-            <a:prstGeom prst="rect">
-              <a:avLst/>
-            </a:prstGeom>
-          </p:spPr>
-          <p:txBody>
-            <a:bodyPr wrap="none">
-              <a:spAutoFit/>
-            </a:bodyPr>
-            <a:lstStyle/>
-            <a:p>
-              <a:r>
-                <a:rPr lang="en-US" sz="2000" b="1" dirty="0">
-                  <a:solidFill>
-                    <a:srgbClr val="974867"/>
-                  </a:solidFill>
-                </a:rPr>
-                <a:t>Local</a:t>
-              </a:r>
-            </a:p>
-          </p:txBody>
-        </p:sp>
-        <p:sp>
-          <p:nvSpPr>
-            <p:cNvPr id="75" name="Rectangle: Rounded Corners 74">
-              <a:extLst>
-                <a:ext uri="{FF2B5EF4-FFF2-40B4-BE49-F238E27FC236}">
-                  <a16:creationId xmlns:a16="http://schemas.microsoft.com/office/drawing/2014/main" id="{A6E362AC-1FE0-48C0-A825-E9270DAEB462}"/>
-                </a:ext>
-              </a:extLst>
-            </p:cNvPr>
-            <p:cNvSpPr/>
-            <p:nvPr/>
-          </p:nvSpPr>
-          <p:spPr>
-            <a:xfrm rot="5400000">
-              <a:off x="-1469162" y="35100127"/>
-              <a:ext cx="8763005" cy="4505315"/>
-            </a:xfrm>
-            <a:prstGeom prst="roundRect">
-              <a:avLst/>
-            </a:prstGeom>
-            <a:noFill/>
-            <a:ln w="50800">
-              <a:solidFill>
-                <a:srgbClr val="974867"/>
-              </a:solidFill>
-              <a:prstDash val="dash"/>
-            </a:ln>
-          </p:spPr>
-          <p:style>
-            <a:lnRef idx="2">
-              <a:schemeClr val="accent1">
-                <a:shade val="50000"/>
-              </a:schemeClr>
-            </a:lnRef>
-            <a:fillRef idx="1">
-              <a:schemeClr val="accent1"/>
-            </a:fillRef>
-            <a:effectRef idx="0">
-              <a:schemeClr val="accent1"/>
-            </a:effectRef>
-            <a:fontRef idx="minor">
-              <a:schemeClr val="lt1"/>
-            </a:fontRef>
-          </p:style>
-          <p:txBody>
-            <a:bodyPr rtlCol="0" anchor="ctr"/>
-            <a:lstStyle/>
-            <a:p>
-              <a:pPr algn="ctr"/>
-              <a:endParaRPr lang="en-US" sz="1120">
-                <a:solidFill>
-                  <a:srgbClr val="974867"/>
-                </a:solidFill>
-              </a:endParaRPr>
-            </a:p>
-          </p:txBody>
-        </p:sp>
-        <p:grpSp>
-          <p:nvGrpSpPr>
-            <p:cNvPr id="79" name="Group 78">
-              <a:extLst>
-                <a:ext uri="{FF2B5EF4-FFF2-40B4-BE49-F238E27FC236}">
-                  <a16:creationId xmlns:a16="http://schemas.microsoft.com/office/drawing/2014/main" id="{75536206-3478-4423-8E85-59C4542794DA}"/>
-                </a:ext>
-              </a:extLst>
-            </p:cNvPr>
-            <p:cNvGrpSpPr/>
-            <p:nvPr/>
-          </p:nvGrpSpPr>
-          <p:grpSpPr>
-            <a:xfrm>
-              <a:off x="2012694" y="33610664"/>
-              <a:ext cx="1554480" cy="1554480"/>
-              <a:chOff x="17391469" y="8364844"/>
-              <a:chExt cx="1097280" cy="1097280"/>
-            </a:xfrm>
-          </p:grpSpPr>
-          <p:sp>
-            <p:nvSpPr>
-              <p:cNvPr id="80" name="Rectangle 79">
-                <a:extLst>
-                  <a:ext uri="{FF2B5EF4-FFF2-40B4-BE49-F238E27FC236}">
-                    <a16:creationId xmlns:a16="http://schemas.microsoft.com/office/drawing/2014/main" id="{1FDF6327-7FF2-435F-A822-E7B60BA83E0B}"/>
-                  </a:ext>
-                </a:extLst>
-              </p:cNvPr>
-              <p:cNvSpPr/>
-              <p:nvPr/>
-            </p:nvSpPr>
-            <p:spPr>
-              <a:xfrm>
-                <a:off x="17391469" y="8364844"/>
-                <a:ext cx="1097280" cy="1097280"/>
-              </a:xfrm>
-              <a:prstGeom prst="rect">
-                <a:avLst/>
-              </a:prstGeom>
-              <a:solidFill>
-                <a:srgbClr val="974867"/>
-              </a:solidFill>
-              <a:ln>
-                <a:solidFill>
-                  <a:srgbClr val="974867"/>
-                </a:solidFill>
-              </a:ln>
-            </p:spPr>
-            <p:style>
-              <a:lnRef idx="2">
-                <a:schemeClr val="accent1">
-                  <a:shade val="50000"/>
-                </a:schemeClr>
-              </a:lnRef>
-              <a:fillRef idx="1">
-                <a:schemeClr val="accent1"/>
-              </a:fillRef>
-              <a:effectRef idx="0">
-                <a:schemeClr val="accent1"/>
-              </a:effectRef>
-              <a:fontRef idx="minor">
-                <a:schemeClr val="lt1"/>
-              </a:fontRef>
-            </p:style>
-            <p:txBody>
-              <a:bodyPr rtlCol="0" anchor="ctr"/>
-              <a:lstStyle/>
-              <a:p>
-                <a:pPr algn="ctr"/>
-                <a:endParaRPr lang="en-US" sz="1120"/>
-              </a:p>
-            </p:txBody>
-          </p:sp>
-          <p:pic>
-            <p:nvPicPr>
-              <p:cNvPr id="81" name="Graphic 49">
-                <a:extLst>
-                  <a:ext uri="{FF2B5EF4-FFF2-40B4-BE49-F238E27FC236}">
-                    <a16:creationId xmlns:a16="http://schemas.microsoft.com/office/drawing/2014/main" id="{F7B652AD-D6C6-44E2-B663-EDB5A5CD837F}"/>
-                  </a:ext>
-                </a:extLst>
-              </p:cNvPr>
-              <p:cNvPicPr>
-                <a:picLocks noChangeAspect="1"/>
-              </p:cNvPicPr>
-              <p:nvPr/>
-            </p:nvPicPr>
-            <p:blipFill>
-              <a:blip r:embed="rId2">
-                <a:extLst>
-                  <a:ext uri="{96DAC541-7B7A-43D3-8B79-37D633B846F1}">
-                    <asvg:svgBlip xmlns:asvg="http://schemas.microsoft.com/office/drawing/2016/SVG/main" r:embed="rId3"/>
-                  </a:ext>
-                </a:extLst>
-              </a:blip>
-              <a:stretch>
-                <a:fillRect/>
-              </a:stretch>
-            </p:blipFill>
-            <p:spPr>
-              <a:xfrm>
-                <a:off x="17482906" y="8456282"/>
-                <a:ext cx="914400" cy="914400"/>
-              </a:xfrm>
-              <a:prstGeom prst="rect">
-                <a:avLst/>
-              </a:prstGeom>
-            </p:spPr>
-          </p:pic>
-        </p:grpSp>
       </p:grpSp>
       <p:cxnSp>
         <p:nvCxnSpPr>
@@ -14721,12 +14658,12 @@
         </p:nvCxnSpPr>
         <p:spPr>
           <a:xfrm rot="5400000">
-            <a:off x="2687082" y="6518074"/>
-            <a:ext cx="1786569" cy="2504678"/>
+            <a:off x="2689247" y="6515909"/>
+            <a:ext cx="1782239" cy="2504678"/>
           </a:xfrm>
           <a:prstGeom prst="bentConnector3">
             <a:avLst>
-              <a:gd name="adj1" fmla="val 33650"/>
+              <a:gd name="adj1" fmla="val 34984"/>
             </a:avLst>
           </a:prstGeom>
           <a:ln w="63500">
@@ -14769,12 +14706,12 @@
         </p:nvCxnSpPr>
         <p:spPr>
           <a:xfrm rot="5400000">
-            <a:off x="3618368" y="3199629"/>
-            <a:ext cx="5438015" cy="5078830"/>
+            <a:off x="3622866" y="3195131"/>
+            <a:ext cx="5429019" cy="5078830"/>
           </a:xfrm>
           <a:prstGeom prst="bentConnector3">
             <a:avLst>
-              <a:gd name="adj1" fmla="val 89054"/>
+              <a:gd name="adj1" fmla="val 89437"/>
             </a:avLst>
           </a:prstGeom>
           <a:ln w="63500">
@@ -14818,8 +14755,8 @@
         </p:nvCxnSpPr>
         <p:spPr>
           <a:xfrm rot="5400000">
-            <a:off x="5942985" y="11867533"/>
-            <a:ext cx="5572407" cy="951291"/>
+            <a:off x="13079598" y="25908424"/>
+            <a:ext cx="5563822" cy="951293"/>
           </a:xfrm>
           <a:prstGeom prst="bentConnector2">
             <a:avLst/>
@@ -14865,9 +14802,9 @@
           <p:nvPr/>
         </p:nvCxnSpPr>
         <p:spPr>
-          <a:xfrm flipV="1">
-            <a:off x="5234595" y="15129385"/>
-            <a:ext cx="1647575" cy="4192"/>
+          <a:xfrm>
+            <a:off x="5303293" y="15142464"/>
+            <a:ext cx="1829027" cy="0"/>
           </a:xfrm>
           <a:prstGeom prst="straightConnector1">
             <a:avLst/>
@@ -14913,8 +14850,8 @@
         </p:nvCxnSpPr>
         <p:spPr>
           <a:xfrm>
-            <a:off x="2057460" y="15132856"/>
-            <a:ext cx="1805762" cy="721"/>
+            <a:off x="2099795" y="15141441"/>
+            <a:ext cx="1832125" cy="1023"/>
           </a:xfrm>
           <a:prstGeom prst="straightConnector1">
             <a:avLst/>
@@ -15146,9 +15083,9 @@
           <p:nvPr/>
         </p:nvCxnSpPr>
         <p:spPr>
-          <a:xfrm>
-            <a:off x="2730363" y="9029458"/>
-            <a:ext cx="381910" cy="0"/>
+          <a:xfrm flipV="1">
+            <a:off x="2730363" y="9020462"/>
+            <a:ext cx="381910" cy="4666"/>
           </a:xfrm>
           <a:prstGeom prst="straightConnector1">
             <a:avLst/>
@@ -15241,8 +15178,8 @@
         </p:nvCxnSpPr>
         <p:spPr>
           <a:xfrm flipH="1">
-            <a:off x="3795202" y="9600863"/>
-            <a:ext cx="2758" cy="883275"/>
+            <a:off x="3795202" y="9591867"/>
+            <a:ext cx="2758" cy="892271"/>
           </a:xfrm>
           <a:prstGeom prst="straightConnector1">
             <a:avLst/>
@@ -15393,6 +15330,54 @@
               <a:schemeClr val="tx1"/>
             </a:solidFill>
             <a:headEnd type="none"/>
+            <a:tailEnd type="triangle"/>
+          </a:ln>
+        </p:spPr>
+        <p:style>
+          <a:lnRef idx="1">
+            <a:schemeClr val="accent1"/>
+          </a:lnRef>
+          <a:fillRef idx="0">
+            <a:schemeClr val="accent1"/>
+          </a:fillRef>
+          <a:effectRef idx="0">
+            <a:schemeClr val="accent1"/>
+          </a:effectRef>
+          <a:fontRef idx="minor">
+            <a:schemeClr val="tx1"/>
+          </a:fontRef>
+        </p:style>
+      </p:cxnSp>
+      <p:cxnSp>
+        <p:nvCxnSpPr>
+          <p:cNvPr id="76" name="Connector: Elbow 75">
+            <a:extLst>
+              <a:ext uri="{FF2B5EF4-FFF2-40B4-BE49-F238E27FC236}">
+                <a16:creationId xmlns:a16="http://schemas.microsoft.com/office/drawing/2014/main" id="{002DB1E8-DD49-40EF-BE48-A6804F326503}"/>
+              </a:ext>
+            </a:extLst>
+          </p:cNvPr>
+          <p:cNvCxnSpPr>
+            <a:cxnSpLocks/>
+            <a:stCxn id="11" idx="2"/>
+            <a:endCxn id="13" idx="3"/>
+          </p:cNvCxnSpPr>
+          <p:nvPr/>
+        </p:nvCxnSpPr>
+        <p:spPr>
+          <a:xfrm rot="5400000">
+            <a:off x="6042034" y="12056965"/>
+            <a:ext cx="5547158" cy="623840"/>
+          </a:xfrm>
+          <a:prstGeom prst="bentConnector2">
+            <a:avLst/>
+          </a:prstGeom>
+          <a:ln w="63500">
+            <a:solidFill>
+              <a:schemeClr val="tx1"/>
+            </a:solidFill>
+            <a:prstDash val="dash"/>
+            <a:headEnd type="triangle"/>
             <a:tailEnd type="triangle"/>
           </a:ln>
         </p:spPr>

--- a/presentation/process_flow_diagram.pptx
+++ b/presentation/process_flow_diagram.pptx
@@ -13594,884 +13594,716 @@
           </a:p>
         </p:txBody>
       </p:sp>
-      <p:sp>
-        <p:nvSpPr>
-          <p:cNvPr id="13" name="Google Shape;101;p13">
+      <p:grpSp>
+        <p:nvGrpSpPr>
+          <p:cNvPr id="17" name="Group 16">
             <a:extLst>
               <a:ext uri="{FF2B5EF4-FFF2-40B4-BE49-F238E27FC236}">
-                <a16:creationId xmlns:a16="http://schemas.microsoft.com/office/drawing/2014/main" id="{7C7E5886-2DEA-472A-A506-C685F67082AC}"/>
+                <a16:creationId xmlns:a16="http://schemas.microsoft.com/office/drawing/2014/main" id="{42D2525F-DC8F-4C1E-964C-C6078846BF9A}"/>
               </a:ext>
             </a:extLst>
           </p:cNvPr>
-          <p:cNvSpPr/>
+          <p:cNvGrpSpPr/>
           <p:nvPr/>
-        </p:nvSpPr>
-        <p:spPr>
+        </p:nvGrpSpPr>
+        <p:grpSpPr>
           <a:xfrm>
-            <a:off x="7132320" y="14045184"/>
-            <a:ext cx="1371373" cy="2194560"/>
+            <a:off x="6347991" y="12271248"/>
+            <a:ext cx="1984248" cy="4352544"/>
+            <a:chOff x="6347991" y="12271248"/>
+            <a:chExt cx="1984248" cy="4352544"/>
           </a:xfrm>
-          <a:prstGeom prst="roundRect">
-            <a:avLst>
-              <a:gd name="adj" fmla="val 16667"/>
-            </a:avLst>
-          </a:prstGeom>
-          <a:solidFill>
-            <a:srgbClr val="D15D16">
-              <a:alpha val="25098"/>
-            </a:srgbClr>
-          </a:solidFill>
-          <a:ln w="38100" cap="flat" cmpd="sng">
+        </p:grpSpPr>
+        <p:sp>
+          <p:nvSpPr>
+            <p:cNvPr id="56" name="Rectangle 55">
+              <a:extLst>
+                <a:ext uri="{FF2B5EF4-FFF2-40B4-BE49-F238E27FC236}">
+                  <a16:creationId xmlns:a16="http://schemas.microsoft.com/office/drawing/2014/main" id="{B7B815A5-6CC8-436E-A923-6A520F09B916}"/>
+                </a:ext>
+              </a:extLst>
+            </p:cNvPr>
+            <p:cNvSpPr/>
+            <p:nvPr/>
+          </p:nvSpPr>
+          <p:spPr>
+            <a:xfrm>
+              <a:off x="6347991" y="12271248"/>
+              <a:ext cx="1984248" cy="457200"/>
+            </a:xfrm>
+            <a:prstGeom prst="rect">
+              <a:avLst/>
+            </a:prstGeom>
+          </p:spPr>
+          <p:txBody>
+            <a:bodyPr wrap="none">
+              <a:spAutoFit/>
+            </a:bodyPr>
+            <a:lstStyle/>
+            <a:p>
+              <a:r>
+                <a:rPr lang="en-US" sz="2000" b="1" dirty="0">
+                  <a:solidFill>
+                    <a:srgbClr val="D15D16"/>
+                  </a:solidFill>
+                </a:rPr>
+                <a:t>Lambda</a:t>
+              </a:r>
+            </a:p>
+          </p:txBody>
+        </p:sp>
+        <p:grpSp>
+          <p:nvGrpSpPr>
+            <p:cNvPr id="14" name="Group 13">
+              <a:extLst>
+                <a:ext uri="{FF2B5EF4-FFF2-40B4-BE49-F238E27FC236}">
+                  <a16:creationId xmlns:a16="http://schemas.microsoft.com/office/drawing/2014/main" id="{B1DF356D-CAC5-4F07-8859-EA957312EDA1}"/>
+                </a:ext>
+              </a:extLst>
+            </p:cNvPr>
+            <p:cNvGrpSpPr/>
+            <p:nvPr/>
+          </p:nvGrpSpPr>
+          <p:grpSpPr>
+            <a:xfrm>
+              <a:off x="6347991" y="12691872"/>
+              <a:ext cx="1984248" cy="3931920"/>
+              <a:chOff x="6347991" y="12691872"/>
+              <a:chExt cx="1984248" cy="3931920"/>
+            </a:xfrm>
+          </p:grpSpPr>
+          <p:sp>
+            <p:nvSpPr>
+              <p:cNvPr id="13" name="Google Shape;101;p13">
+                <a:extLst>
+                  <a:ext uri="{FF2B5EF4-FFF2-40B4-BE49-F238E27FC236}">
+                    <a16:creationId xmlns:a16="http://schemas.microsoft.com/office/drawing/2014/main" id="{7C7E5886-2DEA-472A-A506-C685F67082AC}"/>
+                  </a:ext>
+                </a:extLst>
+              </p:cNvPr>
+              <p:cNvSpPr/>
+              <p:nvPr/>
+            </p:nvSpPr>
+            <p:spPr>
+              <a:xfrm>
+                <a:off x="6640599" y="14045184"/>
+                <a:ext cx="1371373" cy="2194560"/>
+              </a:xfrm>
+              <a:prstGeom prst="roundRect">
+                <a:avLst>
+                  <a:gd name="adj" fmla="val 16667"/>
+                </a:avLst>
+              </a:prstGeom>
+              <a:solidFill>
+                <a:srgbClr val="D15D16">
+                  <a:alpha val="25098"/>
+                </a:srgbClr>
+              </a:solidFill>
+              <a:ln w="38100" cap="flat" cmpd="sng">
+                <a:solidFill>
+                  <a:srgbClr val="D15D16"/>
+                </a:solidFill>
+                <a:prstDash val="solid"/>
+                <a:miter lim="800000"/>
+                <a:headEnd type="none" w="sm" len="sm"/>
+                <a:tailEnd type="none" w="sm" len="sm"/>
+              </a:ln>
+              <a:effectLst>
+                <a:softEdge rad="0"/>
+              </a:effectLst>
+            </p:spPr>
+            <p:txBody>
+              <a:bodyPr spcFirstLastPara="1" wrap="square" lIns="42809" tIns="21396" rIns="42809" bIns="21396" anchor="t" anchorCtr="0">
+                <a:noAutofit/>
+              </a:bodyPr>
+              <a:lstStyle/>
+              <a:p>
+                <a:pPr algn="ctr">
+                  <a:lnSpc>
+                    <a:spcPct val="114000"/>
+                  </a:lnSpc>
+                </a:pPr>
+                <a:r>
+                  <a:rPr lang="en-US" sz="1500" b="1" dirty="0">
+                    <a:solidFill>
+                      <a:srgbClr val="D15D16"/>
+                    </a:solidFill>
+                    <a:latin typeface="Calibri"/>
+                    <a:ea typeface="Calibri"/>
+                    <a:cs typeface="Calibri"/>
+                    <a:sym typeface="Calibri"/>
+                  </a:rPr>
+                  <a:t>Lambda Function</a:t>
+                </a:r>
+              </a:p>
+              <a:p>
+                <a:pPr algn="ctr">
+                  <a:lnSpc>
+                    <a:spcPct val="114000"/>
+                  </a:lnSpc>
+                </a:pPr>
+                <a:endParaRPr lang="en-US" sz="500" b="1" dirty="0">
+                  <a:solidFill>
+                    <a:srgbClr val="D15D16"/>
+                  </a:solidFill>
+                  <a:latin typeface="Calibri"/>
+                  <a:ea typeface="Calibri"/>
+                  <a:cs typeface="Calibri"/>
+                  <a:sym typeface="Calibri"/>
+                </a:endParaRPr>
+              </a:p>
+              <a:p>
+                <a:pPr algn="ctr">
+                  <a:lnSpc>
+                    <a:spcPct val="114000"/>
+                  </a:lnSpc>
+                </a:pPr>
+                <a:r>
+                  <a:rPr lang="en-US" sz="1250" dirty="0">
+                    <a:solidFill>
+                      <a:srgbClr val="D15D16"/>
+                    </a:solidFill>
+                    <a:latin typeface="Calibri"/>
+                    <a:ea typeface="Calibri"/>
+                    <a:cs typeface="Calibri"/>
+                    <a:sym typeface="Calibri"/>
+                  </a:rPr>
+                  <a:t>Using image as input, generates </a:t>
+                </a:r>
+                <a:r>
+                  <a:rPr lang="en-US" sz="1250" b="1" dirty="0">
+                    <a:solidFill>
+                      <a:srgbClr val="D15D16"/>
+                    </a:solidFill>
+                    <a:latin typeface="Calibri"/>
+                    <a:ea typeface="Calibri"/>
+                    <a:cs typeface="Calibri"/>
+                    <a:sym typeface="Calibri"/>
+                  </a:rPr>
+                  <a:t>Probabilities </a:t>
+                </a:r>
+                <a:r>
+                  <a:rPr lang="en-US" sz="1250" dirty="0">
+                    <a:solidFill>
+                      <a:srgbClr val="D15D16"/>
+                    </a:solidFill>
+                    <a:latin typeface="Calibri"/>
+                    <a:ea typeface="Calibri"/>
+                    <a:cs typeface="Calibri"/>
+                    <a:sym typeface="Calibri"/>
+                  </a:rPr>
+                  <a:t>for each </a:t>
+                </a:r>
+                <a:r>
+                  <a:rPr lang="en-US" sz="1250" b="1" dirty="0">
+                    <a:solidFill>
+                      <a:srgbClr val="D15D16"/>
+                    </a:solidFill>
+                    <a:latin typeface="Calibri"/>
+                    <a:ea typeface="Calibri"/>
+                    <a:cs typeface="Calibri"/>
+                    <a:sym typeface="Calibri"/>
+                  </a:rPr>
+                  <a:t>Class</a:t>
+                </a:r>
+                <a:r>
+                  <a:rPr lang="en-US" sz="1250" dirty="0">
+                    <a:solidFill>
+                      <a:srgbClr val="D15D16"/>
+                    </a:solidFill>
+                    <a:latin typeface="Calibri"/>
+                    <a:ea typeface="Calibri"/>
+                    <a:cs typeface="Calibri"/>
+                    <a:sym typeface="Calibri"/>
+                  </a:rPr>
+                  <a:t> via </a:t>
+                </a:r>
+                <a:r>
+                  <a:rPr lang="en-US" sz="1250" b="1" dirty="0">
+                    <a:solidFill>
+                      <a:srgbClr val="D15D16"/>
+                    </a:solidFill>
+                    <a:latin typeface="Calibri"/>
+                    <a:ea typeface="Calibri"/>
+                    <a:cs typeface="Calibri"/>
+                    <a:sym typeface="Calibri"/>
+                  </a:rPr>
+                  <a:t>Endpoint</a:t>
+                </a:r>
+              </a:p>
+            </p:txBody>
+          </p:sp>
+          <p:pic>
+            <p:nvPicPr>
+              <p:cNvPr id="55" name="Graphic 44">
+                <a:extLst>
+                  <a:ext uri="{FF2B5EF4-FFF2-40B4-BE49-F238E27FC236}">
+                    <a16:creationId xmlns:a16="http://schemas.microsoft.com/office/drawing/2014/main" id="{42ACC457-CC62-45E9-87B1-B579204BBCC8}"/>
+                  </a:ext>
+                </a:extLst>
+              </p:cNvPr>
+              <p:cNvPicPr>
+                <a:picLocks noChangeAspect="1"/>
+              </p:cNvPicPr>
+              <p:nvPr/>
+            </p:nvPicPr>
+            <p:blipFill>
+              <a:blip r:embed="rId10">
+                <a:extLst>
+                  <a:ext uri="{96DAC541-7B7A-43D3-8B79-37D633B846F1}">
+                    <asvg:svgBlip xmlns:asvg="http://schemas.microsoft.com/office/drawing/2016/SVG/main" r:embed="rId11"/>
+                  </a:ext>
+                </a:extLst>
+              </a:blip>
+              <a:stretch>
+                <a:fillRect/>
+              </a:stretch>
+            </p:blipFill>
+            <p:spPr>
+              <a:xfrm>
+                <a:off x="6997215" y="13039344"/>
+                <a:ext cx="685800" cy="698992"/>
+              </a:xfrm>
+              <a:prstGeom prst="rect">
+                <a:avLst/>
+              </a:prstGeom>
+            </p:spPr>
+          </p:pic>
+          <p:sp>
+            <p:nvSpPr>
+              <p:cNvPr id="58" name="Rectangle: Rounded Corners 57">
+                <a:extLst>
+                  <a:ext uri="{FF2B5EF4-FFF2-40B4-BE49-F238E27FC236}">
+                    <a16:creationId xmlns:a16="http://schemas.microsoft.com/office/drawing/2014/main" id="{09ED3F8A-F8FA-4D8D-9FE1-AA532B202359}"/>
+                  </a:ext>
+                </a:extLst>
+              </p:cNvPr>
+              <p:cNvSpPr/>
+              <p:nvPr/>
+            </p:nvSpPr>
+            <p:spPr>
+              <a:xfrm>
+                <a:off x="6347991" y="12691872"/>
+                <a:ext cx="1984248" cy="3931920"/>
+              </a:xfrm>
+              <a:prstGeom prst="roundRect">
+                <a:avLst/>
+              </a:prstGeom>
+              <a:noFill/>
+              <a:ln w="50800">
+                <a:solidFill>
+                  <a:srgbClr val="D15D16"/>
+                </a:solidFill>
+                <a:prstDash val="dash"/>
+              </a:ln>
+            </p:spPr>
+            <p:style>
+              <a:lnRef idx="2">
+                <a:schemeClr val="accent1">
+                  <a:shade val="50000"/>
+                </a:schemeClr>
+              </a:lnRef>
+              <a:fillRef idx="1">
+                <a:schemeClr val="accent1"/>
+              </a:fillRef>
+              <a:effectRef idx="0">
+                <a:schemeClr val="accent1"/>
+              </a:effectRef>
+              <a:fontRef idx="minor">
+                <a:schemeClr val="lt1"/>
+              </a:fontRef>
+            </p:style>
+            <p:txBody>
+              <a:bodyPr rtlCol="0" anchor="ctr"/>
+              <a:lstStyle/>
+              <a:p>
+                <a:pPr algn="ctr"/>
+                <a:endParaRPr lang="en-US" sz="1120" dirty="0"/>
+              </a:p>
+            </p:txBody>
+          </p:sp>
+        </p:grpSp>
+      </p:grpSp>
+      <p:grpSp>
+        <p:nvGrpSpPr>
+          <p:cNvPr id="31" name="Group 30">
+            <a:extLst>
+              <a:ext uri="{FF2B5EF4-FFF2-40B4-BE49-F238E27FC236}">
+                <a16:creationId xmlns:a16="http://schemas.microsoft.com/office/drawing/2014/main" id="{1CDAB1D1-FA96-4BF1-919C-E1B5881EAEF8}"/>
+              </a:ext>
+            </a:extLst>
+          </p:cNvPr>
+          <p:cNvGrpSpPr/>
+          <p:nvPr/>
+        </p:nvGrpSpPr>
+        <p:grpSpPr>
+          <a:xfrm>
+            <a:off x="3393451" y="12271248"/>
+            <a:ext cx="1984248" cy="4352544"/>
+            <a:chOff x="3639312" y="12271248"/>
+            <a:chExt cx="1984248" cy="4352544"/>
+          </a:xfrm>
+        </p:grpSpPr>
+        <p:pic>
+          <p:nvPicPr>
+            <p:cNvPr id="57" name="Graphic 19">
+              <a:extLst>
+                <a:ext uri="{FF2B5EF4-FFF2-40B4-BE49-F238E27FC236}">
+                  <a16:creationId xmlns:a16="http://schemas.microsoft.com/office/drawing/2014/main" id="{B7E64D79-BDCA-464F-A052-33F2B0F775DB}"/>
+                </a:ext>
+              </a:extLst>
+            </p:cNvPr>
+            <p:cNvPicPr>
+              <a:picLocks noChangeAspect="1"/>
+            </p:cNvPicPr>
+            <p:nvPr/>
+          </p:nvPicPr>
+          <p:blipFill>
+            <a:blip r:embed="rId12">
+              <a:extLst>
+                <a:ext uri="{96DAC541-7B7A-43D3-8B79-37D633B846F1}">
+                  <asvg:svgBlip xmlns:asvg="http://schemas.microsoft.com/office/drawing/2016/SVG/main" r:embed="rId13"/>
+                </a:ext>
+              </a:extLst>
+            </a:blip>
+            <a:stretch>
+              <a:fillRect/>
+            </a:stretch>
+          </p:blipFill>
+          <p:spPr>
+            <a:xfrm>
+              <a:off x="4288536" y="13039344"/>
+              <a:ext cx="685801" cy="685800"/>
+            </a:xfrm>
+            <a:prstGeom prst="rect">
+              <a:avLst/>
+            </a:prstGeom>
+          </p:spPr>
+        </p:pic>
+        <p:sp>
+          <p:nvSpPr>
+            <p:cNvPr id="60" name="Google Shape;101;p13">
+              <a:extLst>
+                <a:ext uri="{FF2B5EF4-FFF2-40B4-BE49-F238E27FC236}">
+                  <a16:creationId xmlns:a16="http://schemas.microsoft.com/office/drawing/2014/main" id="{29A2837F-20F9-40C0-A986-2632D8B4BB75}"/>
+                </a:ext>
+              </a:extLst>
+            </p:cNvPr>
+            <p:cNvSpPr/>
+            <p:nvPr/>
+          </p:nvSpPr>
+          <p:spPr>
+            <a:xfrm>
+              <a:off x="3931920" y="14045184"/>
+              <a:ext cx="1371373" cy="2194560"/>
+            </a:xfrm>
+            <a:prstGeom prst="roundRect">
+              <a:avLst>
+                <a:gd name="adj" fmla="val 16667"/>
+              </a:avLst>
+            </a:prstGeom>
             <a:solidFill>
-              <a:srgbClr val="D15D16"/>
+              <a:srgbClr val="7030A0">
+                <a:alpha val="25098"/>
+              </a:srgbClr>
             </a:solidFill>
-            <a:prstDash val="solid"/>
-            <a:miter lim="800000"/>
-            <a:headEnd type="none" w="sm" len="sm"/>
-            <a:tailEnd type="none" w="sm" len="sm"/>
-          </a:ln>
-          <a:effectLst>
-            <a:softEdge rad="0"/>
-          </a:effectLst>
-        </p:spPr>
-        <p:txBody>
-          <a:bodyPr spcFirstLastPara="1" wrap="square" lIns="42809" tIns="21396" rIns="42809" bIns="21396" anchor="t" anchorCtr="0">
-            <a:noAutofit/>
-          </a:bodyPr>
-          <a:lstStyle/>
-          <a:p>
-            <a:pPr algn="ctr">
-              <a:lnSpc>
-                <a:spcPct val="114000"/>
-              </a:lnSpc>
-            </a:pPr>
-            <a:r>
-              <a:rPr lang="en-US" sz="1500" b="1" dirty="0">
-                <a:solidFill>
-                  <a:srgbClr val="D15D16"/>
+            <a:ln w="38100" cap="flat" cmpd="sng">
+              <a:solidFill>
+                <a:srgbClr val="7030A0"/>
+              </a:solidFill>
+              <a:prstDash val="solid"/>
+              <a:miter lim="800000"/>
+              <a:headEnd type="none" w="sm" len="sm"/>
+              <a:tailEnd type="none" w="sm" len="sm"/>
+            </a:ln>
+            <a:effectLst>
+              <a:softEdge rad="0"/>
+            </a:effectLst>
+          </p:spPr>
+          <p:txBody>
+            <a:bodyPr spcFirstLastPara="1" wrap="square" lIns="42809" tIns="21396" rIns="42809" bIns="21396" anchor="t" anchorCtr="0">
+              <a:noAutofit/>
+            </a:bodyPr>
+            <a:lstStyle/>
+            <a:p>
+              <a:pPr algn="ctr">
+                <a:lnSpc>
+                  <a:spcPct val="114000"/>
+                </a:lnSpc>
+              </a:pPr>
+              <a:r>
+                <a:rPr lang="en-US" sz="1500" b="1" dirty="0">
+                  <a:solidFill>
+                    <a:srgbClr val="7030A0"/>
+                  </a:solidFill>
+                  <a:latin typeface="Calibri"/>
+                  <a:ea typeface="Calibri"/>
+                  <a:cs typeface="Calibri"/>
+                  <a:sym typeface="Calibri"/>
+                </a:rPr>
+                <a:t>API </a:t>
+              </a:r>
+              <a:br>
+                <a:rPr lang="en-US" sz="1500" b="1" dirty="0">
+                  <a:solidFill>
+                    <a:srgbClr val="7030A0"/>
+                  </a:solidFill>
+                  <a:latin typeface="Calibri"/>
+                  <a:ea typeface="Calibri"/>
+                  <a:cs typeface="Calibri"/>
+                  <a:sym typeface="Calibri"/>
+                </a:rPr>
+              </a:br>
+              <a:r>
+                <a:rPr lang="en-US" sz="1500" b="1" dirty="0">
+                  <a:solidFill>
+                    <a:srgbClr val="7030A0"/>
+                  </a:solidFill>
+                  <a:latin typeface="Calibri"/>
+                  <a:ea typeface="Calibri"/>
+                  <a:cs typeface="Calibri"/>
+                  <a:sym typeface="Calibri"/>
+                </a:rPr>
+                <a:t>Gateway</a:t>
+              </a:r>
+            </a:p>
+            <a:p>
+              <a:pPr algn="ctr">
+                <a:lnSpc>
+                  <a:spcPct val="114000"/>
+                </a:lnSpc>
+              </a:pPr>
+              <a:endParaRPr lang="en-US" sz="500" b="1" dirty="0">
+                <a:solidFill>
+                  <a:srgbClr val="7030A0"/>
                 </a:solidFill>
                 <a:latin typeface="Calibri"/>
                 <a:ea typeface="Calibri"/>
                 <a:cs typeface="Calibri"/>
                 <a:sym typeface="Calibri"/>
-              </a:rPr>
-              <a:t>Lambda Function</a:t>
-            </a:r>
-          </a:p>
-          <a:p>
-            <a:pPr algn="ctr">
-              <a:lnSpc>
-                <a:spcPct val="114000"/>
-              </a:lnSpc>
-            </a:pPr>
-            <a:endParaRPr lang="en-US" sz="500" b="1" dirty="0">
-              <a:solidFill>
-                <a:srgbClr val="D15D16"/>
-              </a:solidFill>
-              <a:latin typeface="Calibri"/>
-              <a:ea typeface="Calibri"/>
-              <a:cs typeface="Calibri"/>
-              <a:sym typeface="Calibri"/>
-            </a:endParaRPr>
-          </a:p>
-          <a:p>
-            <a:pPr algn="ctr">
-              <a:lnSpc>
-                <a:spcPct val="114000"/>
-              </a:lnSpc>
-            </a:pPr>
-            <a:r>
-              <a:rPr lang="en-US" sz="1250" dirty="0">
-                <a:solidFill>
-                  <a:srgbClr val="D15D16"/>
+              </a:endParaRPr>
+            </a:p>
+            <a:p>
+              <a:pPr algn="ctr">
+                <a:lnSpc>
+                  <a:spcPct val="114000"/>
+                </a:lnSpc>
+              </a:pPr>
+              <a:r>
+                <a:rPr lang="en-US" sz="1250" dirty="0">
+                  <a:solidFill>
+                    <a:srgbClr val="7030A0"/>
+                  </a:solidFill>
+                  <a:latin typeface="Calibri"/>
+                  <a:ea typeface="Calibri"/>
+                  <a:cs typeface="Calibri"/>
+                  <a:sym typeface="Calibri"/>
+                </a:rPr>
+                <a:t>Connects </a:t>
+              </a:r>
+              <a:r>
+                <a:rPr lang="en-US" sz="1250" b="1" dirty="0">
+                  <a:solidFill>
+                    <a:srgbClr val="7030A0"/>
+                  </a:solidFill>
+                  <a:latin typeface="Calibri"/>
+                  <a:ea typeface="Calibri"/>
+                  <a:cs typeface="Calibri"/>
+                  <a:sym typeface="Calibri"/>
+                </a:rPr>
+                <a:t>Local Client </a:t>
+              </a:r>
+              <a:r>
+                <a:rPr lang="en-US" sz="1250" dirty="0">
+                  <a:solidFill>
+                    <a:srgbClr val="7030A0"/>
+                  </a:solidFill>
+                  <a:latin typeface="Calibri"/>
+                  <a:ea typeface="Calibri"/>
+                  <a:cs typeface="Calibri"/>
+                  <a:sym typeface="Calibri"/>
+                </a:rPr>
+                <a:t>to </a:t>
+              </a:r>
+              <a:r>
+                <a:rPr lang="en-US" sz="1250" b="1" dirty="0">
+                  <a:solidFill>
+                    <a:srgbClr val="7030A0"/>
+                  </a:solidFill>
+                  <a:latin typeface="Calibri"/>
+                  <a:ea typeface="Calibri"/>
+                  <a:cs typeface="Calibri"/>
+                  <a:sym typeface="Calibri"/>
+                </a:rPr>
+                <a:t>Lambda </a:t>
+              </a:r>
+              <a:br>
+                <a:rPr lang="en-US" sz="1250" b="1" dirty="0">
+                  <a:solidFill>
+                    <a:srgbClr val="7030A0"/>
+                  </a:solidFill>
+                  <a:latin typeface="Calibri"/>
+                  <a:ea typeface="Calibri"/>
+                  <a:cs typeface="Calibri"/>
+                  <a:sym typeface="Calibri"/>
+                </a:rPr>
+              </a:br>
+              <a:r>
+                <a:rPr lang="en-US" sz="1250" b="1" dirty="0">
+                  <a:solidFill>
+                    <a:srgbClr val="7030A0"/>
+                  </a:solidFill>
+                  <a:latin typeface="Calibri"/>
+                  <a:ea typeface="Calibri"/>
+                  <a:cs typeface="Calibri"/>
+                  <a:sym typeface="Calibri"/>
+                </a:rPr>
+                <a:t>Function </a:t>
+              </a:r>
+              <a:r>
+                <a:rPr lang="en-US" sz="1250" dirty="0">
+                  <a:solidFill>
+                    <a:srgbClr val="7030A0"/>
+                  </a:solidFill>
+                  <a:latin typeface="Calibri"/>
+                  <a:ea typeface="Calibri"/>
+                  <a:cs typeface="Calibri"/>
+                  <a:sym typeface="Calibri"/>
+                </a:rPr>
+                <a:t>via</a:t>
+              </a:r>
+              <a:r>
+                <a:rPr lang="en-US" sz="1250" b="1" dirty="0">
+                  <a:solidFill>
+                    <a:srgbClr val="7030A0"/>
+                  </a:solidFill>
+                  <a:latin typeface="Calibri"/>
+                  <a:ea typeface="Calibri"/>
+                  <a:cs typeface="Calibri"/>
+                  <a:sym typeface="Calibri"/>
+                </a:rPr>
+                <a:t> </a:t>
+              </a:r>
+              <a:r>
+                <a:rPr lang="en-US" sz="1250" dirty="0">
+                  <a:solidFill>
+                    <a:srgbClr val="7030A0"/>
+                  </a:solidFill>
+                  <a:latin typeface="Calibri"/>
+                  <a:ea typeface="Calibri"/>
+                  <a:cs typeface="Calibri"/>
+                  <a:sym typeface="Calibri"/>
+                </a:rPr>
+                <a:t>public internet connection</a:t>
+              </a:r>
+              <a:endParaRPr lang="en-US" sz="1250" b="1" dirty="0">
+                <a:solidFill>
+                  <a:srgbClr val="7030A0"/>
                 </a:solidFill>
                 <a:latin typeface="Calibri"/>
                 <a:ea typeface="Calibri"/>
                 <a:cs typeface="Calibri"/>
                 <a:sym typeface="Calibri"/>
-              </a:rPr>
-              <a:t>Using image as input, generates </a:t>
-            </a:r>
-            <a:r>
-              <a:rPr lang="en-US" sz="1250" b="1" dirty="0">
-                <a:solidFill>
-                  <a:srgbClr val="D15D16"/>
-                </a:solidFill>
-                <a:latin typeface="Calibri"/>
-                <a:ea typeface="Calibri"/>
-                <a:cs typeface="Calibri"/>
-                <a:sym typeface="Calibri"/>
-              </a:rPr>
-              <a:t>Probabilities </a:t>
-            </a:r>
-            <a:r>
-              <a:rPr lang="en-US" sz="1250" dirty="0">
-                <a:solidFill>
-                  <a:srgbClr val="D15D16"/>
-                </a:solidFill>
-                <a:latin typeface="Calibri"/>
-                <a:ea typeface="Calibri"/>
-                <a:cs typeface="Calibri"/>
-                <a:sym typeface="Calibri"/>
-              </a:rPr>
-              <a:t>for each </a:t>
-            </a:r>
-            <a:r>
-              <a:rPr lang="en-US" sz="1250" b="1" dirty="0">
-                <a:solidFill>
-                  <a:srgbClr val="D15D16"/>
-                </a:solidFill>
-                <a:latin typeface="Calibri"/>
-                <a:ea typeface="Calibri"/>
-                <a:cs typeface="Calibri"/>
-                <a:sym typeface="Calibri"/>
-              </a:rPr>
-              <a:t>Class</a:t>
-            </a:r>
-            <a:r>
-              <a:rPr lang="en-US" sz="1250" dirty="0">
-                <a:solidFill>
-                  <a:srgbClr val="D15D16"/>
-                </a:solidFill>
-                <a:latin typeface="Calibri"/>
-                <a:ea typeface="Calibri"/>
-                <a:cs typeface="Calibri"/>
-                <a:sym typeface="Calibri"/>
-              </a:rPr>
-              <a:t> via </a:t>
-            </a:r>
-            <a:r>
-              <a:rPr lang="en-US" sz="1250" b="1" dirty="0">
-                <a:solidFill>
-                  <a:srgbClr val="D15D16"/>
-                </a:solidFill>
-                <a:latin typeface="Calibri"/>
-                <a:ea typeface="Calibri"/>
-                <a:cs typeface="Calibri"/>
-                <a:sym typeface="Calibri"/>
-              </a:rPr>
-              <a:t>Endpoint</a:t>
-            </a:r>
-          </a:p>
-        </p:txBody>
-      </p:sp>
-      <p:pic>
-        <p:nvPicPr>
-          <p:cNvPr id="55" name="Graphic 44">
-            <a:extLst>
-              <a:ext uri="{FF2B5EF4-FFF2-40B4-BE49-F238E27FC236}">
-                <a16:creationId xmlns:a16="http://schemas.microsoft.com/office/drawing/2014/main" id="{42ACC457-CC62-45E9-87B1-B579204BBCC8}"/>
-              </a:ext>
-            </a:extLst>
-          </p:cNvPr>
-          <p:cNvPicPr>
-            <a:picLocks noChangeAspect="1"/>
-          </p:cNvPicPr>
-          <p:nvPr/>
-        </p:nvPicPr>
-        <p:blipFill>
-          <a:blip r:embed="rId10">
-            <a:extLst>
-              <a:ext uri="{96DAC541-7B7A-43D3-8B79-37D633B846F1}">
-                <asvg:svgBlip xmlns:asvg="http://schemas.microsoft.com/office/drawing/2016/SVG/main" r:embed="rId11"/>
-              </a:ext>
-            </a:extLst>
-          </a:blip>
-          <a:stretch>
-            <a:fillRect/>
-          </a:stretch>
-        </p:blipFill>
-        <p:spPr>
-          <a:xfrm>
-            <a:off x="7488936" y="13039344"/>
-            <a:ext cx="685800" cy="698992"/>
-          </a:xfrm>
-          <a:prstGeom prst="rect">
-            <a:avLst/>
-          </a:prstGeom>
-        </p:spPr>
-      </p:pic>
-      <p:sp>
-        <p:nvSpPr>
-          <p:cNvPr id="56" name="Rectangle 55">
-            <a:extLst>
-              <a:ext uri="{FF2B5EF4-FFF2-40B4-BE49-F238E27FC236}">
-                <a16:creationId xmlns:a16="http://schemas.microsoft.com/office/drawing/2014/main" id="{B7B815A5-6CC8-436E-A923-6A520F09B916}"/>
-              </a:ext>
-            </a:extLst>
-          </p:cNvPr>
-          <p:cNvSpPr/>
-          <p:nvPr/>
-        </p:nvSpPr>
-        <p:spPr>
-          <a:xfrm>
-            <a:off x="6839712" y="12271248"/>
-            <a:ext cx="1984248" cy="457200"/>
-          </a:xfrm>
-          <a:prstGeom prst="rect">
-            <a:avLst/>
-          </a:prstGeom>
-        </p:spPr>
-        <p:txBody>
-          <a:bodyPr wrap="none">
-            <a:spAutoFit/>
-          </a:bodyPr>
-          <a:lstStyle/>
-          <a:p>
-            <a:r>
-              <a:rPr lang="en-US" sz="2000" b="1" dirty="0">
-                <a:solidFill>
-                  <a:srgbClr val="D15D16"/>
-                </a:solidFill>
-              </a:rPr>
-              <a:t>Lambda</a:t>
-            </a:r>
-          </a:p>
-        </p:txBody>
-      </p:sp>
-      <p:sp>
-        <p:nvSpPr>
-          <p:cNvPr id="58" name="Rectangle: Rounded Corners 57">
-            <a:extLst>
-              <a:ext uri="{FF2B5EF4-FFF2-40B4-BE49-F238E27FC236}">
-                <a16:creationId xmlns:a16="http://schemas.microsoft.com/office/drawing/2014/main" id="{09ED3F8A-F8FA-4D8D-9FE1-AA532B202359}"/>
-              </a:ext>
-            </a:extLst>
-          </p:cNvPr>
-          <p:cNvSpPr/>
-          <p:nvPr/>
-        </p:nvSpPr>
-        <p:spPr>
-          <a:xfrm>
-            <a:off x="6839712" y="12691872"/>
-            <a:ext cx="1984248" cy="3931920"/>
-          </a:xfrm>
-          <a:prstGeom prst="roundRect">
-            <a:avLst/>
-          </a:prstGeom>
-          <a:noFill/>
-          <a:ln w="50800">
-            <a:solidFill>
-              <a:srgbClr val="D15D16"/>
-            </a:solidFill>
-            <a:prstDash val="dash"/>
-          </a:ln>
-        </p:spPr>
-        <p:style>
-          <a:lnRef idx="2">
-            <a:schemeClr val="accent1">
-              <a:shade val="50000"/>
-            </a:schemeClr>
-          </a:lnRef>
-          <a:fillRef idx="1">
-            <a:schemeClr val="accent1"/>
-          </a:fillRef>
-          <a:effectRef idx="0">
-            <a:schemeClr val="accent1"/>
-          </a:effectRef>
-          <a:fontRef idx="minor">
-            <a:schemeClr val="lt1"/>
-          </a:fontRef>
-        </p:style>
-        <p:txBody>
-          <a:bodyPr rtlCol="0" anchor="ctr"/>
-          <a:lstStyle/>
-          <a:p>
-            <a:pPr algn="ctr"/>
-            <a:endParaRPr lang="en-US" sz="1120" dirty="0"/>
-          </a:p>
-        </p:txBody>
-      </p:sp>
-      <p:pic>
-        <p:nvPicPr>
-          <p:cNvPr id="57" name="Graphic 19">
-            <a:extLst>
-              <a:ext uri="{FF2B5EF4-FFF2-40B4-BE49-F238E27FC236}">
-                <a16:creationId xmlns:a16="http://schemas.microsoft.com/office/drawing/2014/main" id="{B7E64D79-BDCA-464F-A052-33F2B0F775DB}"/>
-              </a:ext>
-            </a:extLst>
-          </p:cNvPr>
-          <p:cNvPicPr>
-            <a:picLocks noChangeAspect="1"/>
-          </p:cNvPicPr>
-          <p:nvPr/>
-        </p:nvPicPr>
-        <p:blipFill>
-          <a:blip r:embed="rId12">
-            <a:extLst>
-              <a:ext uri="{96DAC541-7B7A-43D3-8B79-37D633B846F1}">
-                <asvg:svgBlip xmlns:asvg="http://schemas.microsoft.com/office/drawing/2016/SVG/main" r:embed="rId13"/>
-              </a:ext>
-            </a:extLst>
-          </a:blip>
-          <a:stretch>
-            <a:fillRect/>
-          </a:stretch>
-        </p:blipFill>
-        <p:spPr>
-          <a:xfrm>
-            <a:off x="4288536" y="13039344"/>
-            <a:ext cx="685801" cy="685800"/>
-          </a:xfrm>
-          <a:prstGeom prst="rect">
-            <a:avLst/>
-          </a:prstGeom>
-        </p:spPr>
-      </p:pic>
-      <p:sp>
-        <p:nvSpPr>
-          <p:cNvPr id="60" name="Google Shape;101;p13">
-            <a:extLst>
-              <a:ext uri="{FF2B5EF4-FFF2-40B4-BE49-F238E27FC236}">
-                <a16:creationId xmlns:a16="http://schemas.microsoft.com/office/drawing/2014/main" id="{29A2837F-20F9-40C0-A986-2632D8B4BB75}"/>
-              </a:ext>
-            </a:extLst>
-          </p:cNvPr>
-          <p:cNvSpPr/>
-          <p:nvPr/>
-        </p:nvSpPr>
-        <p:spPr>
-          <a:xfrm>
-            <a:off x="3931920" y="14045184"/>
-            <a:ext cx="1371373" cy="2194560"/>
-          </a:xfrm>
-          <a:prstGeom prst="roundRect">
-            <a:avLst>
-              <a:gd name="adj" fmla="val 16667"/>
-            </a:avLst>
-          </a:prstGeom>
-          <a:solidFill>
-            <a:srgbClr val="7030A0">
-              <a:alpha val="25098"/>
-            </a:srgbClr>
-          </a:solidFill>
-          <a:ln w="38100" cap="flat" cmpd="sng">
-            <a:solidFill>
-              <a:srgbClr val="7030A0"/>
-            </a:solidFill>
-            <a:prstDash val="solid"/>
-            <a:miter lim="800000"/>
-            <a:headEnd type="none" w="sm" len="sm"/>
-            <a:tailEnd type="none" w="sm" len="sm"/>
-          </a:ln>
-          <a:effectLst>
-            <a:softEdge rad="0"/>
-          </a:effectLst>
-        </p:spPr>
-        <p:txBody>
-          <a:bodyPr spcFirstLastPara="1" wrap="square" lIns="42809" tIns="21396" rIns="42809" bIns="21396" anchor="t" anchorCtr="0">
-            <a:noAutofit/>
-          </a:bodyPr>
-          <a:lstStyle/>
-          <a:p>
-            <a:pPr algn="ctr">
-              <a:lnSpc>
-                <a:spcPct val="114000"/>
-              </a:lnSpc>
-            </a:pPr>
-            <a:r>
-              <a:rPr lang="en-US" sz="1500" b="1" dirty="0">
-                <a:solidFill>
-                  <a:srgbClr val="7030A0"/>
-                </a:solidFill>
-                <a:latin typeface="Calibri"/>
-                <a:ea typeface="Calibri"/>
-                <a:cs typeface="Calibri"/>
-                <a:sym typeface="Calibri"/>
-              </a:rPr>
-              <a:t>API </a:t>
-            </a:r>
-            <a:br>
-              <a:rPr lang="en-US" sz="1500" b="1" dirty="0">
-                <a:solidFill>
-                  <a:srgbClr val="7030A0"/>
-                </a:solidFill>
-                <a:latin typeface="Calibri"/>
-                <a:ea typeface="Calibri"/>
-                <a:cs typeface="Calibri"/>
-                <a:sym typeface="Calibri"/>
-              </a:rPr>
-            </a:br>
-            <a:r>
-              <a:rPr lang="en-US" sz="1500" b="1" dirty="0">
-                <a:solidFill>
-                  <a:srgbClr val="7030A0"/>
-                </a:solidFill>
-                <a:latin typeface="Calibri"/>
-                <a:ea typeface="Calibri"/>
-                <a:cs typeface="Calibri"/>
-                <a:sym typeface="Calibri"/>
-              </a:rPr>
-              <a:t>Gateway</a:t>
-            </a:r>
-          </a:p>
-          <a:p>
-            <a:pPr algn="ctr">
-              <a:lnSpc>
-                <a:spcPct val="114000"/>
-              </a:lnSpc>
-            </a:pPr>
-            <a:endParaRPr lang="en-US" sz="500" b="1" dirty="0">
+              </a:endParaRPr>
+            </a:p>
+          </p:txBody>
+        </p:sp>
+        <p:sp>
+          <p:nvSpPr>
+            <p:cNvPr id="62" name="Rectangle 61">
+              <a:extLst>
+                <a:ext uri="{FF2B5EF4-FFF2-40B4-BE49-F238E27FC236}">
+                  <a16:creationId xmlns:a16="http://schemas.microsoft.com/office/drawing/2014/main" id="{1D642AA0-750B-4EA6-A6C3-35FC1C2A777F}"/>
+                </a:ext>
+              </a:extLst>
+            </p:cNvPr>
+            <p:cNvSpPr/>
+            <p:nvPr/>
+          </p:nvSpPr>
+          <p:spPr>
+            <a:xfrm>
+              <a:off x="3639312" y="12271248"/>
+              <a:ext cx="1984248" cy="457200"/>
+            </a:xfrm>
+            <a:prstGeom prst="rect">
+              <a:avLst/>
+            </a:prstGeom>
+          </p:spPr>
+          <p:txBody>
+            <a:bodyPr wrap="none">
+              <a:spAutoFit/>
+            </a:bodyPr>
+            <a:lstStyle/>
+            <a:p>
+              <a:r>
+                <a:rPr lang="en-US" sz="2000" b="1" dirty="0">
+                  <a:solidFill>
+                    <a:srgbClr val="7030A0"/>
+                  </a:solidFill>
+                </a:rPr>
+                <a:t>API Gateway</a:t>
+              </a:r>
+            </a:p>
+          </p:txBody>
+        </p:sp>
+        <p:sp>
+          <p:nvSpPr>
+            <p:cNvPr id="63" name="Rectangle: Rounded Corners 62">
+              <a:extLst>
+                <a:ext uri="{FF2B5EF4-FFF2-40B4-BE49-F238E27FC236}">
+                  <a16:creationId xmlns:a16="http://schemas.microsoft.com/office/drawing/2014/main" id="{82EAE399-8815-40A7-884B-547986F8E934}"/>
+                </a:ext>
+              </a:extLst>
+            </p:cNvPr>
+            <p:cNvSpPr/>
+            <p:nvPr/>
+          </p:nvSpPr>
+          <p:spPr>
+            <a:xfrm>
+              <a:off x="3639312" y="12691872"/>
+              <a:ext cx="1984248" cy="3931920"/>
+            </a:xfrm>
+            <a:prstGeom prst="roundRect">
+              <a:avLst/>
+            </a:prstGeom>
+            <a:noFill/>
+            <a:ln w="50800">
               <a:solidFill>
                 <a:srgbClr val="7030A0"/>
               </a:solidFill>
-              <a:latin typeface="Calibri"/>
-              <a:ea typeface="Calibri"/>
-              <a:cs typeface="Calibri"/>
-              <a:sym typeface="Calibri"/>
-            </a:endParaRPr>
-          </a:p>
-          <a:p>
-            <a:pPr algn="ctr">
-              <a:lnSpc>
-                <a:spcPct val="114000"/>
-              </a:lnSpc>
-            </a:pPr>
-            <a:r>
-              <a:rPr lang="en-US" sz="1250" dirty="0">
+              <a:prstDash val="dash"/>
+            </a:ln>
+          </p:spPr>
+          <p:style>
+            <a:lnRef idx="2">
+              <a:schemeClr val="accent1">
+                <a:shade val="50000"/>
+              </a:schemeClr>
+            </a:lnRef>
+            <a:fillRef idx="1">
+              <a:schemeClr val="accent1"/>
+            </a:fillRef>
+            <a:effectRef idx="0">
+              <a:schemeClr val="accent1"/>
+            </a:effectRef>
+            <a:fontRef idx="minor">
+              <a:schemeClr val="lt1"/>
+            </a:fontRef>
+          </p:style>
+          <p:txBody>
+            <a:bodyPr rtlCol="0" anchor="ctr"/>
+            <a:lstStyle/>
+            <a:p>
+              <a:pPr algn="ctr"/>
+              <a:endParaRPr lang="en-US" sz="1120">
                 <a:solidFill>
                   <a:srgbClr val="7030A0"/>
                 </a:solidFill>
-                <a:latin typeface="Calibri"/>
-                <a:ea typeface="Calibri"/>
-                <a:cs typeface="Calibri"/>
-                <a:sym typeface="Calibri"/>
-              </a:rPr>
-              <a:t>Connects </a:t>
-            </a:r>
-            <a:r>
-              <a:rPr lang="en-US" sz="1250" b="1" dirty="0">
-                <a:solidFill>
-                  <a:srgbClr val="7030A0"/>
-                </a:solidFill>
-                <a:latin typeface="Calibri"/>
-                <a:ea typeface="Calibri"/>
-                <a:cs typeface="Calibri"/>
-                <a:sym typeface="Calibri"/>
-              </a:rPr>
-              <a:t>Local Client </a:t>
-            </a:r>
-            <a:r>
-              <a:rPr lang="en-US" sz="1250" dirty="0">
-                <a:solidFill>
-                  <a:srgbClr val="7030A0"/>
-                </a:solidFill>
-                <a:latin typeface="Calibri"/>
-                <a:ea typeface="Calibri"/>
-                <a:cs typeface="Calibri"/>
-                <a:sym typeface="Calibri"/>
-              </a:rPr>
-              <a:t>to </a:t>
-            </a:r>
-            <a:r>
-              <a:rPr lang="en-US" sz="1250" b="1" dirty="0">
-                <a:solidFill>
-                  <a:srgbClr val="7030A0"/>
-                </a:solidFill>
-                <a:latin typeface="Calibri"/>
-                <a:ea typeface="Calibri"/>
-                <a:cs typeface="Calibri"/>
-                <a:sym typeface="Calibri"/>
-              </a:rPr>
-              <a:t>Lambda </a:t>
-            </a:r>
-            <a:br>
-              <a:rPr lang="en-US" sz="1250" b="1" dirty="0">
-                <a:solidFill>
-                  <a:srgbClr val="7030A0"/>
-                </a:solidFill>
-                <a:latin typeface="Calibri"/>
-                <a:ea typeface="Calibri"/>
-                <a:cs typeface="Calibri"/>
-                <a:sym typeface="Calibri"/>
-              </a:rPr>
-            </a:br>
-            <a:r>
-              <a:rPr lang="en-US" sz="1250" b="1" dirty="0">
-                <a:solidFill>
-                  <a:srgbClr val="7030A0"/>
-                </a:solidFill>
-                <a:latin typeface="Calibri"/>
-                <a:ea typeface="Calibri"/>
-                <a:cs typeface="Calibri"/>
-                <a:sym typeface="Calibri"/>
-              </a:rPr>
-              <a:t>Function </a:t>
-            </a:r>
-            <a:r>
-              <a:rPr lang="en-US" sz="1250" dirty="0">
-                <a:solidFill>
-                  <a:srgbClr val="7030A0"/>
-                </a:solidFill>
-                <a:latin typeface="Calibri"/>
-                <a:ea typeface="Calibri"/>
-                <a:cs typeface="Calibri"/>
-                <a:sym typeface="Calibri"/>
-              </a:rPr>
-              <a:t>via</a:t>
-            </a:r>
-            <a:r>
-              <a:rPr lang="en-US" sz="1250" b="1" dirty="0">
-                <a:solidFill>
-                  <a:srgbClr val="7030A0"/>
-                </a:solidFill>
-                <a:latin typeface="Calibri"/>
-                <a:ea typeface="Calibri"/>
-                <a:cs typeface="Calibri"/>
-                <a:sym typeface="Calibri"/>
-              </a:rPr>
-              <a:t> </a:t>
-            </a:r>
-            <a:r>
-              <a:rPr lang="en-US" sz="1250" dirty="0">
-                <a:solidFill>
-                  <a:srgbClr val="7030A0"/>
-                </a:solidFill>
-                <a:latin typeface="Calibri"/>
-                <a:ea typeface="Calibri"/>
-                <a:cs typeface="Calibri"/>
-                <a:sym typeface="Calibri"/>
-              </a:rPr>
-              <a:t>public internet connection</a:t>
-            </a:r>
-            <a:endParaRPr lang="en-US" sz="1250" b="1" dirty="0">
-              <a:solidFill>
-                <a:srgbClr val="7030A0"/>
-              </a:solidFill>
-              <a:latin typeface="Calibri"/>
-              <a:ea typeface="Calibri"/>
-              <a:cs typeface="Calibri"/>
-              <a:sym typeface="Calibri"/>
-            </a:endParaRPr>
-          </a:p>
-        </p:txBody>
-      </p:sp>
-      <p:sp>
-        <p:nvSpPr>
-          <p:cNvPr id="62" name="Rectangle 61">
-            <a:extLst>
-              <a:ext uri="{FF2B5EF4-FFF2-40B4-BE49-F238E27FC236}">
-                <a16:creationId xmlns:a16="http://schemas.microsoft.com/office/drawing/2014/main" id="{1D642AA0-750B-4EA6-A6C3-35FC1C2A777F}"/>
-              </a:ext>
-            </a:extLst>
-          </p:cNvPr>
-          <p:cNvSpPr/>
-          <p:nvPr/>
-        </p:nvSpPr>
-        <p:spPr>
-          <a:xfrm>
-            <a:off x="3639312" y="12271248"/>
-            <a:ext cx="1984248" cy="457200"/>
-          </a:xfrm>
-          <a:prstGeom prst="rect">
-            <a:avLst/>
-          </a:prstGeom>
-        </p:spPr>
-        <p:txBody>
-          <a:bodyPr wrap="none">
-            <a:spAutoFit/>
-          </a:bodyPr>
-          <a:lstStyle/>
-          <a:p>
-            <a:r>
-              <a:rPr lang="en-US" sz="2000" b="1" dirty="0">
-                <a:solidFill>
-                  <a:srgbClr val="7030A0"/>
-                </a:solidFill>
-              </a:rPr>
-              <a:t>API Gateway</a:t>
-            </a:r>
-          </a:p>
-        </p:txBody>
-      </p:sp>
-      <p:sp>
-        <p:nvSpPr>
-          <p:cNvPr id="63" name="Rectangle: Rounded Corners 62">
-            <a:extLst>
-              <a:ext uri="{FF2B5EF4-FFF2-40B4-BE49-F238E27FC236}">
-                <a16:creationId xmlns:a16="http://schemas.microsoft.com/office/drawing/2014/main" id="{82EAE399-8815-40A7-884B-547986F8E934}"/>
-              </a:ext>
-            </a:extLst>
-          </p:cNvPr>
-          <p:cNvSpPr/>
-          <p:nvPr/>
-        </p:nvSpPr>
-        <p:spPr>
-          <a:xfrm>
-            <a:off x="3639312" y="12691872"/>
-            <a:ext cx="1984248" cy="3931920"/>
-          </a:xfrm>
-          <a:prstGeom prst="roundRect">
-            <a:avLst/>
-          </a:prstGeom>
-          <a:noFill/>
-          <a:ln w="50800">
-            <a:solidFill>
-              <a:srgbClr val="7030A0"/>
-            </a:solidFill>
-            <a:prstDash val="dash"/>
-          </a:ln>
-        </p:spPr>
-        <p:style>
-          <a:lnRef idx="2">
-            <a:schemeClr val="accent1">
-              <a:shade val="50000"/>
-            </a:schemeClr>
-          </a:lnRef>
-          <a:fillRef idx="1">
-            <a:schemeClr val="accent1"/>
-          </a:fillRef>
-          <a:effectRef idx="0">
-            <a:schemeClr val="accent1"/>
-          </a:effectRef>
-          <a:fontRef idx="minor">
-            <a:schemeClr val="lt1"/>
-          </a:fontRef>
-        </p:style>
-        <p:txBody>
-          <a:bodyPr rtlCol="0" anchor="ctr"/>
-          <a:lstStyle/>
-          <a:p>
-            <a:pPr algn="ctr"/>
-            <a:endParaRPr lang="en-US" sz="1120">
-              <a:solidFill>
-                <a:srgbClr val="7030A0"/>
-              </a:solidFill>
-            </a:endParaRPr>
-          </a:p>
-        </p:txBody>
-      </p:sp>
-      <p:sp>
-        <p:nvSpPr>
-          <p:cNvPr id="72" name="Google Shape;101;p13">
-            <a:extLst>
-              <a:ext uri="{FF2B5EF4-FFF2-40B4-BE49-F238E27FC236}">
-                <a16:creationId xmlns:a16="http://schemas.microsoft.com/office/drawing/2014/main" id="{7C36E83C-1061-44E3-8F81-F5A3C7D274B6}"/>
-              </a:ext>
-            </a:extLst>
-          </p:cNvPr>
-          <p:cNvSpPr/>
-          <p:nvPr/>
-        </p:nvSpPr>
-        <p:spPr>
-          <a:xfrm>
-            <a:off x="728422" y="14045184"/>
-            <a:ext cx="1371373" cy="2192514"/>
-          </a:xfrm>
-          <a:prstGeom prst="roundRect">
-            <a:avLst>
-              <a:gd name="adj" fmla="val 16667"/>
-            </a:avLst>
-          </a:prstGeom>
-          <a:solidFill>
-            <a:srgbClr val="974867">
-              <a:alpha val="25098"/>
-            </a:srgbClr>
-          </a:solidFill>
-          <a:ln w="38100" cap="flat" cmpd="sng">
-            <a:solidFill>
-              <a:srgbClr val="974867"/>
-            </a:solidFill>
-            <a:prstDash val="solid"/>
-            <a:miter lim="800000"/>
-            <a:headEnd type="none" w="sm" len="sm"/>
-            <a:tailEnd type="none" w="sm" len="sm"/>
-          </a:ln>
-          <a:effectLst>
-            <a:softEdge rad="0"/>
-          </a:effectLst>
-        </p:spPr>
-        <p:txBody>
-          <a:bodyPr spcFirstLastPara="1" wrap="square" lIns="42809" tIns="21396" rIns="42809" bIns="21396" anchor="t" anchorCtr="0">
-            <a:noAutofit/>
-          </a:bodyPr>
-          <a:lstStyle/>
-          <a:p>
-            <a:pPr algn="ctr">
-              <a:lnSpc>
-                <a:spcPct val="114000"/>
-              </a:lnSpc>
-            </a:pPr>
-            <a:r>
-              <a:rPr lang="en-US" sz="1500" b="1" dirty="0">
-                <a:solidFill>
-                  <a:srgbClr val="974867"/>
-                </a:solidFill>
-                <a:latin typeface="Calibri"/>
-                <a:ea typeface="Calibri"/>
-                <a:cs typeface="Calibri"/>
-                <a:sym typeface="Calibri"/>
-              </a:rPr>
-              <a:t>Local </a:t>
-            </a:r>
-            <a:br>
-              <a:rPr lang="en-US" sz="1500" b="1" dirty="0">
-                <a:solidFill>
-                  <a:srgbClr val="974867"/>
-                </a:solidFill>
-                <a:latin typeface="Calibri"/>
-                <a:ea typeface="Calibri"/>
-                <a:cs typeface="Calibri"/>
-                <a:sym typeface="Calibri"/>
-              </a:rPr>
-            </a:br>
-            <a:r>
-              <a:rPr lang="en-US" sz="1500" b="1" dirty="0">
-                <a:solidFill>
-                  <a:srgbClr val="974867"/>
-                </a:solidFill>
-                <a:latin typeface="Calibri"/>
-                <a:ea typeface="Calibri"/>
-                <a:cs typeface="Calibri"/>
-                <a:sym typeface="Calibri"/>
-              </a:rPr>
-              <a:t>Client</a:t>
-            </a:r>
-          </a:p>
-          <a:p>
-            <a:pPr algn="ctr">
-              <a:lnSpc>
-                <a:spcPct val="114000"/>
-              </a:lnSpc>
-            </a:pPr>
-            <a:endParaRPr lang="en-US" sz="499" b="1" dirty="0">
-              <a:solidFill>
-                <a:srgbClr val="974867"/>
-              </a:solidFill>
-              <a:latin typeface="Calibri"/>
-              <a:ea typeface="Calibri"/>
-              <a:cs typeface="Calibri"/>
-              <a:sym typeface="Calibri"/>
-            </a:endParaRPr>
-          </a:p>
-          <a:p>
-            <a:pPr algn="ctr">
-              <a:lnSpc>
-                <a:spcPct val="114000"/>
-              </a:lnSpc>
-            </a:pPr>
-            <a:r>
-              <a:rPr lang="en-US" sz="1250" dirty="0">
-                <a:solidFill>
-                  <a:srgbClr val="974867"/>
-                </a:solidFill>
-                <a:latin typeface="Calibri"/>
-                <a:ea typeface="Calibri"/>
-                <a:cs typeface="Calibri"/>
-                <a:sym typeface="Calibri"/>
-              </a:rPr>
-              <a:t>Sends image to </a:t>
-            </a:r>
-            <a:r>
-              <a:rPr lang="en-US" sz="1250" b="1" dirty="0">
-                <a:solidFill>
-                  <a:srgbClr val="974867"/>
-                </a:solidFill>
-                <a:latin typeface="Calibri"/>
-                <a:ea typeface="Calibri"/>
-                <a:cs typeface="Calibri"/>
-                <a:sym typeface="Calibri"/>
-              </a:rPr>
-              <a:t>API Gateway </a:t>
-            </a:r>
-            <a:r>
-              <a:rPr lang="en-US" sz="1250" dirty="0">
-                <a:solidFill>
-                  <a:srgbClr val="974867"/>
-                </a:solidFill>
-                <a:latin typeface="Calibri"/>
-                <a:ea typeface="Calibri"/>
-                <a:cs typeface="Calibri"/>
-                <a:sym typeface="Calibri"/>
-              </a:rPr>
-              <a:t>and receives back P</a:t>
-            </a:r>
-            <a:r>
-              <a:rPr lang="en-US" sz="1250" b="1" dirty="0">
-                <a:solidFill>
-                  <a:srgbClr val="974867"/>
-                </a:solidFill>
-                <a:latin typeface="Calibri"/>
-                <a:ea typeface="Calibri"/>
-                <a:cs typeface="Calibri"/>
-                <a:sym typeface="Calibri"/>
-              </a:rPr>
-              <a:t>robabilities </a:t>
-            </a:r>
-            <a:r>
-              <a:rPr lang="en-US" sz="1250" dirty="0">
-                <a:solidFill>
-                  <a:srgbClr val="974867"/>
-                </a:solidFill>
-                <a:latin typeface="Calibri"/>
-                <a:ea typeface="Calibri"/>
-                <a:cs typeface="Calibri"/>
-                <a:sym typeface="Calibri"/>
-              </a:rPr>
-              <a:t>for each </a:t>
-            </a:r>
-            <a:r>
-              <a:rPr lang="en-US" sz="1250" b="1" dirty="0">
-                <a:solidFill>
-                  <a:srgbClr val="974867"/>
-                </a:solidFill>
-                <a:latin typeface="Calibri"/>
-                <a:ea typeface="Calibri"/>
-                <a:cs typeface="Calibri"/>
-                <a:sym typeface="Calibri"/>
-              </a:rPr>
-              <a:t>Class</a:t>
-            </a:r>
-            <a:endParaRPr lang="en-US" sz="1250" dirty="0">
-              <a:solidFill>
-                <a:srgbClr val="974867"/>
-              </a:solidFill>
-              <a:latin typeface="Calibri"/>
-              <a:ea typeface="Calibri"/>
-              <a:cs typeface="Calibri"/>
-              <a:sym typeface="Calibri"/>
-            </a:endParaRPr>
-          </a:p>
-        </p:txBody>
-      </p:sp>
-      <p:sp>
-        <p:nvSpPr>
-          <p:cNvPr id="74" name="Rectangle 73">
-            <a:extLst>
-              <a:ext uri="{FF2B5EF4-FFF2-40B4-BE49-F238E27FC236}">
-                <a16:creationId xmlns:a16="http://schemas.microsoft.com/office/drawing/2014/main" id="{2C98CA0B-356C-4049-8EB1-BB75471FFB15}"/>
-              </a:ext>
-            </a:extLst>
-          </p:cNvPr>
-          <p:cNvSpPr/>
-          <p:nvPr/>
-        </p:nvSpPr>
-        <p:spPr>
-          <a:xfrm>
-            <a:off x="438912" y="12271248"/>
-            <a:ext cx="1984248" cy="457200"/>
-          </a:xfrm>
-          <a:prstGeom prst="rect">
-            <a:avLst/>
-          </a:prstGeom>
-        </p:spPr>
-        <p:txBody>
-          <a:bodyPr wrap="none">
-            <a:spAutoFit/>
-          </a:bodyPr>
-          <a:lstStyle/>
-          <a:p>
-            <a:r>
-              <a:rPr lang="en-US" sz="2000" b="1" dirty="0">
-                <a:solidFill>
-                  <a:srgbClr val="974867"/>
-                </a:solidFill>
-              </a:rPr>
-              <a:t>Local</a:t>
-            </a:r>
-          </a:p>
-        </p:txBody>
-      </p:sp>
+              </a:endParaRPr>
+            </a:p>
+          </p:txBody>
+        </p:sp>
+      </p:grpSp>
       <p:sp>
         <p:nvSpPr>
           <p:cNvPr id="75" name="Rectangle: Rounded Corners 74">
@@ -14531,10 +14363,10 @@
       </p:sp>
       <p:grpSp>
         <p:nvGrpSpPr>
-          <p:cNvPr id="79" name="Group 78">
+          <p:cNvPr id="32" name="Group 31">
             <a:extLst>
               <a:ext uri="{FF2B5EF4-FFF2-40B4-BE49-F238E27FC236}">
-                <a16:creationId xmlns:a16="http://schemas.microsoft.com/office/drawing/2014/main" id="{75536206-3478-4423-8E85-59C4542794DA}"/>
+                <a16:creationId xmlns:a16="http://schemas.microsoft.com/office/drawing/2014/main" id="{C551DE41-798C-4C01-A9EB-0B6F073CC45E}"/>
               </a:ext>
             </a:extLst>
           </p:cNvPr>
@@ -14543,18 +14375,18 @@
         </p:nvGrpSpPr>
         <p:grpSpPr>
           <a:xfrm>
-            <a:off x="1088136" y="13042110"/>
-            <a:ext cx="685686" cy="692802"/>
-            <a:chOff x="17391468" y="8504695"/>
-            <a:chExt cx="1097285" cy="1097280"/>
+            <a:off x="438912" y="12271248"/>
+            <a:ext cx="1984248" cy="3966450"/>
+            <a:chOff x="438912" y="12271248"/>
+            <a:chExt cx="1984248" cy="3966450"/>
           </a:xfrm>
         </p:grpSpPr>
         <p:sp>
           <p:nvSpPr>
-            <p:cNvPr id="80" name="Rectangle 79">
+            <p:cNvPr id="72" name="Google Shape;101;p13">
               <a:extLst>
                 <a:ext uri="{FF2B5EF4-FFF2-40B4-BE49-F238E27FC236}">
-                  <a16:creationId xmlns:a16="http://schemas.microsoft.com/office/drawing/2014/main" id="{1FDF6327-7FF2-435F-A822-E7B60BA83E0B}"/>
+                  <a16:creationId xmlns:a16="http://schemas.microsoft.com/office/drawing/2014/main" id="{7C36E83C-1061-44E3-8F81-F5A3C7D274B6}"/>
                 </a:ext>
               </a:extLst>
             </p:cNvPr>
@@ -14563,82 +14395,334 @@
           </p:nvSpPr>
           <p:spPr>
             <a:xfrm>
-              <a:off x="17391468" y="8504695"/>
-              <a:ext cx="1097285" cy="1097280"/>
+              <a:off x="728422" y="14045184"/>
+              <a:ext cx="1371373" cy="2192514"/>
             </a:xfrm>
-            <a:prstGeom prst="rect">
-              <a:avLst/>
+            <a:prstGeom prst="roundRect">
+              <a:avLst>
+                <a:gd name="adj" fmla="val 16667"/>
+              </a:avLst>
             </a:prstGeom>
             <a:solidFill>
-              <a:srgbClr val="974867"/>
+              <a:srgbClr val="974867">
+                <a:alpha val="25098"/>
+              </a:srgbClr>
             </a:solidFill>
-            <a:ln>
+            <a:ln w="38100" cap="flat" cmpd="sng">
               <a:solidFill>
                 <a:srgbClr val="974867"/>
               </a:solidFill>
+              <a:prstDash val="solid"/>
+              <a:miter lim="800000"/>
+              <a:headEnd type="none" w="sm" len="sm"/>
+              <a:tailEnd type="none" w="sm" len="sm"/>
             </a:ln>
+            <a:effectLst>
+              <a:softEdge rad="0"/>
+            </a:effectLst>
           </p:spPr>
-          <p:style>
-            <a:lnRef idx="2">
-              <a:schemeClr val="accent1">
-                <a:shade val="50000"/>
-              </a:schemeClr>
-            </a:lnRef>
-            <a:fillRef idx="1">
-              <a:schemeClr val="accent1"/>
-            </a:fillRef>
-            <a:effectRef idx="0">
-              <a:schemeClr val="accent1"/>
-            </a:effectRef>
-            <a:fontRef idx="minor">
-              <a:schemeClr val="lt1"/>
-            </a:fontRef>
-          </p:style>
           <p:txBody>
-            <a:bodyPr rtlCol="0" anchor="ctr"/>
+            <a:bodyPr spcFirstLastPara="1" wrap="square" lIns="42809" tIns="21396" rIns="42809" bIns="21396" anchor="t" anchorCtr="0">
+              <a:noAutofit/>
+            </a:bodyPr>
             <a:lstStyle/>
             <a:p>
-              <a:pPr algn="ctr"/>
-              <a:endParaRPr lang="en-US" sz="1120"/>
+              <a:pPr algn="ctr">
+                <a:lnSpc>
+                  <a:spcPct val="114000"/>
+                </a:lnSpc>
+              </a:pPr>
+              <a:r>
+                <a:rPr lang="en-US" sz="1500" b="1" dirty="0">
+                  <a:solidFill>
+                    <a:srgbClr val="974867"/>
+                  </a:solidFill>
+                  <a:latin typeface="Calibri"/>
+                  <a:ea typeface="Calibri"/>
+                  <a:cs typeface="Calibri"/>
+                  <a:sym typeface="Calibri"/>
+                </a:rPr>
+                <a:t>Local </a:t>
+              </a:r>
+              <a:br>
+                <a:rPr lang="en-US" sz="1500" b="1" dirty="0">
+                  <a:solidFill>
+                    <a:srgbClr val="974867"/>
+                  </a:solidFill>
+                  <a:latin typeface="Calibri"/>
+                  <a:ea typeface="Calibri"/>
+                  <a:cs typeface="Calibri"/>
+                  <a:sym typeface="Calibri"/>
+                </a:rPr>
+              </a:br>
+              <a:r>
+                <a:rPr lang="en-US" sz="1500" b="1" dirty="0">
+                  <a:solidFill>
+                    <a:srgbClr val="974867"/>
+                  </a:solidFill>
+                  <a:latin typeface="Calibri"/>
+                  <a:ea typeface="Calibri"/>
+                  <a:cs typeface="Calibri"/>
+                  <a:sym typeface="Calibri"/>
+                </a:rPr>
+                <a:t>Client</a:t>
+              </a:r>
+            </a:p>
+            <a:p>
+              <a:pPr algn="ctr">
+                <a:lnSpc>
+                  <a:spcPct val="114000"/>
+                </a:lnSpc>
+              </a:pPr>
+              <a:endParaRPr lang="en-US" sz="499" b="1" dirty="0">
+                <a:solidFill>
+                  <a:srgbClr val="974867"/>
+                </a:solidFill>
+                <a:latin typeface="Calibri"/>
+                <a:ea typeface="Calibri"/>
+                <a:cs typeface="Calibri"/>
+                <a:sym typeface="Calibri"/>
+              </a:endParaRPr>
+            </a:p>
+            <a:p>
+              <a:pPr algn="ctr">
+                <a:lnSpc>
+                  <a:spcPct val="114000"/>
+                </a:lnSpc>
+              </a:pPr>
+              <a:r>
+                <a:rPr lang="en-US" sz="1250" dirty="0">
+                  <a:solidFill>
+                    <a:srgbClr val="974867"/>
+                  </a:solidFill>
+                  <a:latin typeface="Calibri"/>
+                  <a:ea typeface="Calibri"/>
+                  <a:cs typeface="Calibri"/>
+                  <a:sym typeface="Calibri"/>
+                </a:rPr>
+                <a:t>Sends image to </a:t>
+              </a:r>
+              <a:r>
+                <a:rPr lang="en-US" sz="1250" b="1" dirty="0">
+                  <a:solidFill>
+                    <a:srgbClr val="974867"/>
+                  </a:solidFill>
+                  <a:latin typeface="Calibri"/>
+                  <a:ea typeface="Calibri"/>
+                  <a:cs typeface="Calibri"/>
+                  <a:sym typeface="Calibri"/>
+                </a:rPr>
+                <a:t>API Gateway </a:t>
+              </a:r>
+              <a:r>
+                <a:rPr lang="en-US" sz="1250" dirty="0">
+                  <a:solidFill>
+                    <a:srgbClr val="974867"/>
+                  </a:solidFill>
+                  <a:latin typeface="Calibri"/>
+                  <a:ea typeface="Calibri"/>
+                  <a:cs typeface="Calibri"/>
+                  <a:sym typeface="Calibri"/>
+                </a:rPr>
+                <a:t>and receives back P</a:t>
+              </a:r>
+              <a:r>
+                <a:rPr lang="en-US" sz="1250" b="1" dirty="0">
+                  <a:solidFill>
+                    <a:srgbClr val="974867"/>
+                  </a:solidFill>
+                  <a:latin typeface="Calibri"/>
+                  <a:ea typeface="Calibri"/>
+                  <a:cs typeface="Calibri"/>
+                  <a:sym typeface="Calibri"/>
+                </a:rPr>
+                <a:t>robabilities </a:t>
+              </a:r>
+              <a:r>
+                <a:rPr lang="en-US" sz="1250" dirty="0">
+                  <a:solidFill>
+                    <a:srgbClr val="974867"/>
+                  </a:solidFill>
+                  <a:latin typeface="Calibri"/>
+                  <a:ea typeface="Calibri"/>
+                  <a:cs typeface="Calibri"/>
+                  <a:sym typeface="Calibri"/>
+                </a:rPr>
+                <a:t>for each </a:t>
+              </a:r>
+              <a:r>
+                <a:rPr lang="en-US" sz="1250" b="1" dirty="0">
+                  <a:solidFill>
+                    <a:srgbClr val="974867"/>
+                  </a:solidFill>
+                  <a:latin typeface="Calibri"/>
+                  <a:ea typeface="Calibri"/>
+                  <a:cs typeface="Calibri"/>
+                  <a:sym typeface="Calibri"/>
+                </a:rPr>
+                <a:t>Class</a:t>
+              </a:r>
+              <a:endParaRPr lang="en-US" sz="1250" dirty="0">
+                <a:solidFill>
+                  <a:srgbClr val="974867"/>
+                </a:solidFill>
+                <a:latin typeface="Calibri"/>
+                <a:ea typeface="Calibri"/>
+                <a:cs typeface="Calibri"/>
+                <a:sym typeface="Calibri"/>
+              </a:endParaRPr>
             </a:p>
           </p:txBody>
         </p:sp>
-        <p:pic>
-          <p:nvPicPr>
-            <p:cNvPr id="81" name="Graphic 49">
+        <p:sp>
+          <p:nvSpPr>
+            <p:cNvPr id="74" name="Rectangle 73">
               <a:extLst>
                 <a:ext uri="{FF2B5EF4-FFF2-40B4-BE49-F238E27FC236}">
-                  <a16:creationId xmlns:a16="http://schemas.microsoft.com/office/drawing/2014/main" id="{F7B652AD-D6C6-44E2-B663-EDB5A5CD837F}"/>
+                  <a16:creationId xmlns:a16="http://schemas.microsoft.com/office/drawing/2014/main" id="{2C98CA0B-356C-4049-8EB1-BB75471FFB15}"/>
                 </a:ext>
               </a:extLst>
             </p:cNvPr>
-            <p:cNvPicPr>
-              <a:picLocks noChangeAspect="1"/>
-            </p:cNvPicPr>
+            <p:cNvSpPr/>
             <p:nvPr/>
-          </p:nvPicPr>
-          <p:blipFill>
-            <a:blip r:embed="rId2">
-              <a:extLst>
-                <a:ext uri="{96DAC541-7B7A-43D3-8B79-37D633B846F1}">
-                  <asvg:svgBlip xmlns:asvg="http://schemas.microsoft.com/office/drawing/2016/SVG/main" r:embed="rId3"/>
-                </a:ext>
-              </a:extLst>
-            </a:blip>
-            <a:stretch>
-              <a:fillRect/>
-            </a:stretch>
-          </p:blipFill>
+          </p:nvSpPr>
           <p:spPr>
             <a:xfrm>
-              <a:off x="17482981" y="8596128"/>
-              <a:ext cx="914404" cy="914400"/>
+              <a:off x="438912" y="12271248"/>
+              <a:ext cx="1984248" cy="457200"/>
             </a:xfrm>
             <a:prstGeom prst="rect">
               <a:avLst/>
             </a:prstGeom>
           </p:spPr>
-        </p:pic>
+          <p:txBody>
+            <a:bodyPr wrap="none">
+              <a:spAutoFit/>
+            </a:bodyPr>
+            <a:lstStyle/>
+            <a:p>
+              <a:r>
+                <a:rPr lang="en-US" sz="2000" b="1" dirty="0">
+                  <a:solidFill>
+                    <a:srgbClr val="974867"/>
+                  </a:solidFill>
+                </a:rPr>
+                <a:t>Local</a:t>
+              </a:r>
+            </a:p>
+          </p:txBody>
+        </p:sp>
+        <p:grpSp>
+          <p:nvGrpSpPr>
+            <p:cNvPr id="79" name="Group 78">
+              <a:extLst>
+                <a:ext uri="{FF2B5EF4-FFF2-40B4-BE49-F238E27FC236}">
+                  <a16:creationId xmlns:a16="http://schemas.microsoft.com/office/drawing/2014/main" id="{75536206-3478-4423-8E85-59C4542794DA}"/>
+                </a:ext>
+              </a:extLst>
+            </p:cNvPr>
+            <p:cNvGrpSpPr/>
+            <p:nvPr/>
+          </p:nvGrpSpPr>
+          <p:grpSpPr>
+            <a:xfrm>
+              <a:off x="1088136" y="13042110"/>
+              <a:ext cx="685686" cy="692802"/>
+              <a:chOff x="17391468" y="8504695"/>
+              <a:chExt cx="1097285" cy="1097280"/>
+            </a:xfrm>
+          </p:grpSpPr>
+          <p:sp>
+            <p:nvSpPr>
+              <p:cNvPr id="80" name="Rectangle 79">
+                <a:extLst>
+                  <a:ext uri="{FF2B5EF4-FFF2-40B4-BE49-F238E27FC236}">
+                    <a16:creationId xmlns:a16="http://schemas.microsoft.com/office/drawing/2014/main" id="{1FDF6327-7FF2-435F-A822-E7B60BA83E0B}"/>
+                  </a:ext>
+                </a:extLst>
+              </p:cNvPr>
+              <p:cNvSpPr/>
+              <p:nvPr/>
+            </p:nvSpPr>
+            <p:spPr>
+              <a:xfrm>
+                <a:off x="17391468" y="8504695"/>
+                <a:ext cx="1097285" cy="1097280"/>
+              </a:xfrm>
+              <a:prstGeom prst="rect">
+                <a:avLst/>
+              </a:prstGeom>
+              <a:solidFill>
+                <a:srgbClr val="974867"/>
+              </a:solidFill>
+              <a:ln>
+                <a:solidFill>
+                  <a:srgbClr val="974867"/>
+                </a:solidFill>
+              </a:ln>
+            </p:spPr>
+            <p:style>
+              <a:lnRef idx="2">
+                <a:schemeClr val="accent1">
+                  <a:shade val="50000"/>
+                </a:schemeClr>
+              </a:lnRef>
+              <a:fillRef idx="1">
+                <a:schemeClr val="accent1"/>
+              </a:fillRef>
+              <a:effectRef idx="0">
+                <a:schemeClr val="accent1"/>
+              </a:effectRef>
+              <a:fontRef idx="minor">
+                <a:schemeClr val="lt1"/>
+              </a:fontRef>
+            </p:style>
+            <p:txBody>
+              <a:bodyPr rtlCol="0" anchor="ctr"/>
+              <a:lstStyle/>
+              <a:p>
+                <a:pPr algn="ctr"/>
+                <a:endParaRPr lang="en-US" sz="1120"/>
+              </a:p>
+            </p:txBody>
+          </p:sp>
+          <p:pic>
+            <p:nvPicPr>
+              <p:cNvPr id="81" name="Graphic 49">
+                <a:extLst>
+                  <a:ext uri="{FF2B5EF4-FFF2-40B4-BE49-F238E27FC236}">
+                    <a16:creationId xmlns:a16="http://schemas.microsoft.com/office/drawing/2014/main" id="{F7B652AD-D6C6-44E2-B663-EDB5A5CD837F}"/>
+                  </a:ext>
+                </a:extLst>
+              </p:cNvPr>
+              <p:cNvPicPr>
+                <a:picLocks noChangeAspect="1"/>
+              </p:cNvPicPr>
+              <p:nvPr/>
+            </p:nvPicPr>
+            <p:blipFill>
+              <a:blip r:embed="rId2">
+                <a:extLst>
+                  <a:ext uri="{96DAC541-7B7A-43D3-8B79-37D633B846F1}">
+                    <asvg:svgBlip xmlns:asvg="http://schemas.microsoft.com/office/drawing/2016/SVG/main" r:embed="rId3"/>
+                  </a:ext>
+                </a:extLst>
+              </a:blip>
+              <a:stretch>
+                <a:fillRect/>
+              </a:stretch>
+            </p:blipFill>
+            <p:spPr>
+              <a:xfrm>
+                <a:off x="17482981" y="8596128"/>
+                <a:ext cx="914404" cy="914400"/>
+              </a:xfrm>
+              <a:prstGeom prst="rect">
+                <a:avLst/>
+              </a:prstGeom>
+            </p:spPr>
+          </p:pic>
+        </p:grpSp>
       </p:grpSp>
       <p:cxnSp>
         <p:nvCxnSpPr>
@@ -14755,7 +14839,7 @@
         </p:nvCxnSpPr>
         <p:spPr>
           <a:xfrm rot="5400000">
-            <a:off x="13079598" y="25908424"/>
+            <a:off x="12587877" y="25908424"/>
             <a:ext cx="5563822" cy="951293"/>
           </a:xfrm>
           <a:prstGeom prst="bentConnector2">
@@ -14803,8 +14887,8 @@
         </p:nvCxnSpPr>
         <p:spPr>
           <a:xfrm>
-            <a:off x="5303293" y="15142464"/>
-            <a:ext cx="1829027" cy="0"/>
+            <a:off x="5057432" y="15142464"/>
+            <a:ext cx="1583167" cy="0"/>
           </a:xfrm>
           <a:prstGeom prst="straightConnector1">
             <a:avLst/>
@@ -14851,7 +14935,7 @@
         <p:spPr>
           <a:xfrm>
             <a:off x="2099795" y="15141441"/>
-            <a:ext cx="1832125" cy="1023"/>
+            <a:ext cx="1586264" cy="1023"/>
           </a:xfrm>
           <a:prstGeom prst="straightConnector1">
             <a:avLst/>
@@ -15366,8 +15450,8 @@
         </p:nvCxnSpPr>
         <p:spPr>
           <a:xfrm rot="5400000">
-            <a:off x="6042034" y="12056965"/>
-            <a:ext cx="5547158" cy="623840"/>
+            <a:off x="5796174" y="11811105"/>
+            <a:ext cx="5547158" cy="1115561"/>
           </a:xfrm>
           <a:prstGeom prst="bentConnector2">
             <a:avLst/>
